--- a/memo/【TeamD】コミットからテストまで.pptx
+++ b/memo/【TeamD】コミットからテストまで.pptx
@@ -7,8 +7,8 @@
   <p:sldIdLst>
     <p:sldId id="256" r:id="rId2"/>
     <p:sldId id="257" r:id="rId3"/>
-    <p:sldId id="259" r:id="rId4"/>
-    <p:sldId id="263" r:id="rId5"/>
+    <p:sldId id="263" r:id="rId4"/>
+    <p:sldId id="259" r:id="rId5"/>
     <p:sldId id="261" r:id="rId6"/>
     <p:sldId id="260" r:id="rId7"/>
     <p:sldId id="262" r:id="rId8"/>
@@ -111,6 +111,11 @@
       </a:defRPr>
     </a:lvl9pPr>
   </p:defaultTextStyle>
+  <p:extLst>
+    <p:ext uri="{EFAFB233-063F-42B5-8137-9DF3F51BA10A}">
+      <p15:sldGuideLst xmlns:p15="http://schemas.microsoft.com/office/powerpoint/2012/main"/>
+    </p:ext>
+  </p:extLst>
 </p:presentation>
 </file>
 
@@ -245,7 +250,7 @@
           <a:p>
             <a:fld id="{41A8282F-FCD7-42C5-94CD-173811E8592F}" type="datetimeFigureOut">
               <a:rPr kumimoji="1" lang="ja-JP" altLang="en-US" smtClean="0"/>
-              <a:t>2018/2/1</a:t>
+              <a:t>2018/2/8</a:t>
             </a:fld>
             <a:endParaRPr kumimoji="1" lang="ja-JP" altLang="en-US"/>
           </a:p>
@@ -447,7 +452,7 @@
           <a:p>
             <a:fld id="{41A8282F-FCD7-42C5-94CD-173811E8592F}" type="datetimeFigureOut">
               <a:rPr kumimoji="1" lang="ja-JP" altLang="en-US" smtClean="0"/>
-              <a:t>2018/2/1</a:t>
+              <a:t>2018/2/8</a:t>
             </a:fld>
             <a:endParaRPr kumimoji="1" lang="ja-JP" altLang="en-US"/>
           </a:p>
@@ -659,7 +664,7 @@
           <a:p>
             <a:fld id="{41A8282F-FCD7-42C5-94CD-173811E8592F}" type="datetimeFigureOut">
               <a:rPr kumimoji="1" lang="ja-JP" altLang="en-US" smtClean="0"/>
-              <a:t>2018/2/1</a:t>
+              <a:t>2018/2/8</a:t>
             </a:fld>
             <a:endParaRPr kumimoji="1" lang="ja-JP" altLang="en-US"/>
           </a:p>
@@ -861,7 +866,7 @@
           <a:p>
             <a:fld id="{41A8282F-FCD7-42C5-94CD-173811E8592F}" type="datetimeFigureOut">
               <a:rPr kumimoji="1" lang="ja-JP" altLang="en-US" smtClean="0"/>
-              <a:t>2018/2/1</a:t>
+              <a:t>2018/2/8</a:t>
             </a:fld>
             <a:endParaRPr kumimoji="1" lang="ja-JP" altLang="en-US"/>
           </a:p>
@@ -1107,7 +1112,7 @@
           <a:p>
             <a:fld id="{41A8282F-FCD7-42C5-94CD-173811E8592F}" type="datetimeFigureOut">
               <a:rPr kumimoji="1" lang="ja-JP" altLang="en-US" smtClean="0"/>
-              <a:t>2018/2/1</a:t>
+              <a:t>2018/2/8</a:t>
             </a:fld>
             <a:endParaRPr kumimoji="1" lang="ja-JP" altLang="en-US"/>
           </a:p>
@@ -1403,7 +1408,7 @@
           <a:p>
             <a:fld id="{41A8282F-FCD7-42C5-94CD-173811E8592F}" type="datetimeFigureOut">
               <a:rPr kumimoji="1" lang="ja-JP" altLang="en-US" smtClean="0"/>
-              <a:t>2018/2/1</a:t>
+              <a:t>2018/2/8</a:t>
             </a:fld>
             <a:endParaRPr kumimoji="1" lang="ja-JP" altLang="en-US"/>
           </a:p>
@@ -1834,7 +1839,7 @@
           <a:p>
             <a:fld id="{41A8282F-FCD7-42C5-94CD-173811E8592F}" type="datetimeFigureOut">
               <a:rPr kumimoji="1" lang="ja-JP" altLang="en-US" smtClean="0"/>
-              <a:t>2018/2/1</a:t>
+              <a:t>2018/2/8</a:t>
             </a:fld>
             <a:endParaRPr kumimoji="1" lang="ja-JP" altLang="en-US"/>
           </a:p>
@@ -1952,7 +1957,7 @@
           <a:p>
             <a:fld id="{41A8282F-FCD7-42C5-94CD-173811E8592F}" type="datetimeFigureOut">
               <a:rPr kumimoji="1" lang="ja-JP" altLang="en-US" smtClean="0"/>
-              <a:t>2018/2/1</a:t>
+              <a:t>2018/2/8</a:t>
             </a:fld>
             <a:endParaRPr kumimoji="1" lang="ja-JP" altLang="en-US"/>
           </a:p>
@@ -2047,7 +2052,7 @@
           <a:p>
             <a:fld id="{41A8282F-FCD7-42C5-94CD-173811E8592F}" type="datetimeFigureOut">
               <a:rPr kumimoji="1" lang="ja-JP" altLang="en-US" smtClean="0"/>
-              <a:t>2018/2/1</a:t>
+              <a:t>2018/2/8</a:t>
             </a:fld>
             <a:endParaRPr kumimoji="1" lang="ja-JP" altLang="en-US"/>
           </a:p>
@@ -2356,7 +2361,7 @@
           <a:p>
             <a:fld id="{41A8282F-FCD7-42C5-94CD-173811E8592F}" type="datetimeFigureOut">
               <a:rPr kumimoji="1" lang="ja-JP" altLang="en-US" smtClean="0"/>
-              <a:t>2018/2/1</a:t>
+              <a:t>2018/2/8</a:t>
             </a:fld>
             <a:endParaRPr kumimoji="1" lang="ja-JP" altLang="en-US"/>
           </a:p>
@@ -2609,7 +2614,7 @@
           <a:p>
             <a:fld id="{41A8282F-FCD7-42C5-94CD-173811E8592F}" type="datetimeFigureOut">
               <a:rPr kumimoji="1" lang="ja-JP" altLang="en-US" smtClean="0"/>
-              <a:t>2018/2/1</a:t>
+              <a:t>2018/2/8</a:t>
             </a:fld>
             <a:endParaRPr kumimoji="1" lang="ja-JP" altLang="en-US"/>
           </a:p>
@@ -2854,7 +2859,7 @@
           <a:p>
             <a:fld id="{41A8282F-FCD7-42C5-94CD-173811E8592F}" type="datetimeFigureOut">
               <a:rPr kumimoji="1" lang="ja-JP" altLang="en-US" smtClean="0"/>
-              <a:t>2018/2/1</a:t>
+              <a:t>2018/2/8</a:t>
             </a:fld>
             <a:endParaRPr kumimoji="1" lang="ja-JP" altLang="en-US"/>
           </a:p>
@@ -3414,19 +3419,15 @@
             </a:r>
             <a:r>
               <a:rPr lang="en-US" altLang="ja-JP" dirty="0" smtClean="0"/>
-              <a:t>Travis</a:t>
+              <a:t>Repository</a:t>
+            </a:r>
+            <a:r>
+              <a:rPr lang="ja-JP" altLang="en-US" dirty="0"/>
+              <a:t>・ブランチ</a:t>
             </a:r>
             <a:r>
               <a:rPr lang="ja-JP" altLang="en-US" dirty="0" smtClean="0"/>
-              <a:t>に登録＆</a:t>
-            </a:r>
-            <a:r>
-              <a:rPr lang="en-US" altLang="ja-JP" dirty="0" smtClean="0"/>
-              <a:t>GitHub</a:t>
-            </a:r>
-            <a:r>
-              <a:rPr lang="ja-JP" altLang="en-US" dirty="0" smtClean="0"/>
-              <a:t>と紐づけ</a:t>
+              <a:t>作成</a:t>
             </a:r>
             <a:endParaRPr lang="en-US" altLang="ja-JP" dirty="0" smtClean="0"/>
           </a:p>
@@ -3435,25 +3436,33 @@
               <a:buFont typeface="+mj-lt"/>
               <a:buAutoNum type="arabicPeriod"/>
             </a:pPr>
-            <a:endParaRPr lang="en-US" altLang="ja-JP" dirty="0" smtClean="0"/>
+            <a:r>
+              <a:rPr kumimoji="1" lang="ja-JP" altLang="en-US" dirty="0" smtClean="0"/>
+              <a:t>　</a:t>
+            </a:r>
+            <a:r>
+              <a:rPr lang="en-US" altLang="ja-JP" dirty="0"/>
+              <a:t> Travis</a:t>
+            </a:r>
+            <a:r>
+              <a:rPr lang="ja-JP" altLang="en-US" dirty="0"/>
+              <a:t>に登録＆</a:t>
+            </a:r>
+            <a:r>
+              <a:rPr lang="en-US" altLang="ja-JP" dirty="0"/>
+              <a:t>GitHub</a:t>
+            </a:r>
+            <a:r>
+              <a:rPr lang="ja-JP" altLang="en-US" dirty="0"/>
+              <a:t>と紐づけ</a:t>
+            </a:r>
+            <a:endParaRPr kumimoji="1" lang="en-US" altLang="ja-JP" dirty="0" smtClean="0"/>
           </a:p>
           <a:p>
             <a:pPr marL="514350" indent="-514350">
               <a:buFont typeface="+mj-lt"/>
               <a:buAutoNum type="arabicPeriod"/>
             </a:pPr>
-            <a:r>
-              <a:rPr kumimoji="1" lang="ja-JP" altLang="en-US" dirty="0" smtClean="0"/>
-              <a:t>　</a:t>
-            </a:r>
-            <a:r>
-              <a:rPr kumimoji="1" lang="en-US" altLang="ja-JP" dirty="0" smtClean="0"/>
-              <a:t>Repository</a:t>
-            </a:r>
-            <a:r>
-              <a:rPr kumimoji="1" lang="ja-JP" altLang="en-US" dirty="0" smtClean="0"/>
-              <a:t>・ブランチ作成</a:t>
-            </a:r>
             <a:endParaRPr kumimoji="1" lang="en-US" altLang="ja-JP" dirty="0" smtClean="0"/>
           </a:p>
           <a:p>
@@ -3786,7 +3795,7 @@
         </p:blipFill>
         <p:spPr>
           <a:xfrm>
-            <a:off x="1316307" y="2723963"/>
+            <a:off x="1328118" y="2207617"/>
             <a:ext cx="448089" cy="458510"/>
           </a:xfrm>
           <a:prstGeom prst="rect">
@@ -3834,7 +3843,7 @@
         </p:blipFill>
         <p:spPr>
           <a:xfrm>
-            <a:off x="6547450" y="2718818"/>
+            <a:off x="6852250" y="1724895"/>
             <a:ext cx="447675" cy="419100"/>
           </a:xfrm>
           <a:prstGeom prst="rect">
@@ -3898,7 +3907,7 @@
         </p:nvSpPr>
         <p:spPr>
           <a:xfrm>
-            <a:off x="6109819" y="2762716"/>
+            <a:off x="6414619" y="1768793"/>
             <a:ext cx="265046" cy="357808"/>
           </a:xfrm>
           <a:prstGeom prst="rightArrow">
@@ -4261,7 +4270,7 @@
         <p:spPr>
           <a:xfrm>
             <a:off x="838200" y="365126"/>
-            <a:ext cx="10515600" cy="793096"/>
+            <a:ext cx="10515600" cy="801066"/>
           </a:xfrm>
         </p:spPr>
         <p:txBody>
@@ -4271,529 +4280,42 @@
           <a:lstStyle/>
           <a:p>
             <a:r>
+              <a:rPr kumimoji="1" lang="en-US" altLang="ja-JP" sz="2800" b="1" dirty="0" smtClean="0"/>
+              <a:t>Travis</a:t>
+            </a:r>
+            <a:r>
               <a:rPr kumimoji="1" lang="ja-JP" altLang="en-US" sz="2800" b="1" dirty="0" smtClean="0"/>
-              <a:t>フォルダ構成・設定ファイル</a:t>
+              <a:t>の</a:t>
+            </a:r>
+            <a:r>
+              <a:rPr kumimoji="1" lang="en-US" altLang="ja-JP" sz="2800" b="1" dirty="0" smtClean="0"/>
+              <a:t>GitHub</a:t>
+            </a:r>
+            <a:r>
+              <a:rPr kumimoji="1" lang="ja-JP" altLang="en-US" sz="2800" b="1" dirty="0" smtClean="0"/>
+              <a:t>紐づけ</a:t>
             </a:r>
             <a:endParaRPr kumimoji="1" lang="ja-JP" altLang="en-US" sz="2800" b="1" dirty="0"/>
-          </a:p>
-        </p:txBody>
-      </p:sp>
-      <p:sp>
-        <p:nvSpPr>
-          <p:cNvPr id="4" name="テキスト ボックス 3"/>
-          <p:cNvSpPr txBox="1"/>
-          <p:nvPr/>
-        </p:nvSpPr>
-        <p:spPr>
-          <a:xfrm>
-            <a:off x="2920449" y="2087923"/>
-            <a:ext cx="2345634" cy="2031325"/>
-          </a:xfrm>
-          <a:prstGeom prst="rect">
-            <a:avLst/>
-          </a:prstGeom>
-        </p:spPr>
-        <p:style>
-          <a:lnRef idx="0">
-            <a:schemeClr val="accent1"/>
-          </a:lnRef>
-          <a:fillRef idx="3">
-            <a:schemeClr val="accent1"/>
-          </a:fillRef>
-          <a:effectRef idx="3">
-            <a:schemeClr val="accent1"/>
-          </a:effectRef>
-          <a:fontRef idx="minor">
-            <a:schemeClr val="lt1"/>
-          </a:fontRef>
-        </p:style>
-        <p:txBody>
-          <a:bodyPr wrap="square" rtlCol="0">
-            <a:spAutoFit/>
-          </a:bodyPr>
-          <a:lstStyle/>
-          <a:p>
-            <a:r>
-              <a:rPr kumimoji="1" lang="en-US" altLang="ja-JP" b="1" dirty="0" err="1" smtClean="0"/>
-              <a:t>Src</a:t>
-            </a:r>
-            <a:endParaRPr kumimoji="1" lang="en-US" altLang="ja-JP" b="1" dirty="0" smtClean="0"/>
-          </a:p>
-          <a:p>
-            <a:endParaRPr kumimoji="1" lang="en-US" altLang="ja-JP" dirty="0" smtClean="0"/>
-          </a:p>
-          <a:p>
-            <a:endParaRPr lang="en-US" altLang="ja-JP" dirty="0"/>
-          </a:p>
-          <a:p>
-            <a:endParaRPr kumimoji="1" lang="en-US" altLang="ja-JP" dirty="0" smtClean="0"/>
-          </a:p>
-          <a:p>
-            <a:endParaRPr lang="en-US" altLang="ja-JP" dirty="0"/>
-          </a:p>
-          <a:p>
-            <a:endParaRPr kumimoji="1" lang="en-US" altLang="ja-JP" dirty="0" smtClean="0"/>
-          </a:p>
-          <a:p>
-            <a:endParaRPr kumimoji="1" lang="ja-JP" altLang="en-US" dirty="0"/>
-          </a:p>
-        </p:txBody>
-      </p:sp>
-      <p:sp>
-        <p:nvSpPr>
-          <p:cNvPr id="5" name="テキスト ボックス 4"/>
-          <p:cNvSpPr txBox="1"/>
-          <p:nvPr/>
-        </p:nvSpPr>
-        <p:spPr>
-          <a:xfrm>
-            <a:off x="3337893" y="2453896"/>
-            <a:ext cx="1606826" cy="646331"/>
-          </a:xfrm>
-          <a:prstGeom prst="rect">
-            <a:avLst/>
-          </a:prstGeom>
-        </p:spPr>
-        <p:style>
-          <a:lnRef idx="1">
-            <a:schemeClr val="accent1"/>
-          </a:lnRef>
-          <a:fillRef idx="2">
-            <a:schemeClr val="accent1"/>
-          </a:fillRef>
-          <a:effectRef idx="1">
-            <a:schemeClr val="accent1"/>
-          </a:effectRef>
-          <a:fontRef idx="minor">
-            <a:schemeClr val="dk1"/>
-          </a:fontRef>
-        </p:style>
-        <p:txBody>
-          <a:bodyPr wrap="square" rtlCol="0">
-            <a:spAutoFit/>
-          </a:bodyPr>
-          <a:lstStyle/>
-          <a:p>
-            <a:r>
-              <a:rPr kumimoji="1" lang="en-US" altLang="ja-JP" b="1" dirty="0" smtClean="0">
-                <a:solidFill>
-                  <a:schemeClr val="bg1"/>
-                </a:solidFill>
-              </a:rPr>
-              <a:t>Main</a:t>
-            </a:r>
-          </a:p>
-          <a:p>
-            <a:r>
-              <a:rPr lang="en-US" altLang="ja-JP" dirty="0" smtClean="0"/>
-              <a:t>Java</a:t>
-            </a:r>
-            <a:r>
-              <a:rPr lang="ja-JP" altLang="en-US" dirty="0"/>
-              <a:t>コード</a:t>
-            </a:r>
-            <a:endParaRPr kumimoji="1" lang="ja-JP" altLang="en-US" dirty="0"/>
-          </a:p>
-        </p:txBody>
-      </p:sp>
-      <p:sp>
-        <p:nvSpPr>
-          <p:cNvPr id="6" name="テキスト ボックス 5"/>
-          <p:cNvSpPr txBox="1"/>
-          <p:nvPr/>
-        </p:nvSpPr>
-        <p:spPr>
-          <a:xfrm>
-            <a:off x="3337893" y="3241841"/>
-            <a:ext cx="1755912" cy="646331"/>
-          </a:xfrm>
-          <a:prstGeom prst="rect">
-            <a:avLst/>
-          </a:prstGeom>
-        </p:spPr>
-        <p:style>
-          <a:lnRef idx="1">
-            <a:schemeClr val="accent1"/>
-          </a:lnRef>
-          <a:fillRef idx="2">
-            <a:schemeClr val="accent1"/>
-          </a:fillRef>
-          <a:effectRef idx="1">
-            <a:schemeClr val="accent1"/>
-          </a:effectRef>
-          <a:fontRef idx="minor">
-            <a:schemeClr val="dk1"/>
-          </a:fontRef>
-        </p:style>
-        <p:txBody>
-          <a:bodyPr wrap="square" rtlCol="0">
-            <a:spAutoFit/>
-          </a:bodyPr>
-          <a:lstStyle/>
-          <a:p>
-            <a:r>
-              <a:rPr kumimoji="1" lang="en-US" altLang="ja-JP" b="1" dirty="0" smtClean="0">
-                <a:solidFill>
-                  <a:schemeClr val="bg1"/>
-                </a:solidFill>
-              </a:rPr>
-              <a:t>Test</a:t>
-            </a:r>
-          </a:p>
-          <a:p>
-            <a:r>
-              <a:rPr lang="ja-JP" altLang="en-US" dirty="0" smtClean="0"/>
-              <a:t>テストコード</a:t>
-            </a:r>
-            <a:endParaRPr kumimoji="1" lang="ja-JP" altLang="en-US" dirty="0"/>
-          </a:p>
-        </p:txBody>
-      </p:sp>
-      <p:sp>
-        <p:nvSpPr>
-          <p:cNvPr id="7" name="テキスト ボックス 6"/>
-          <p:cNvSpPr txBox="1"/>
-          <p:nvPr/>
-        </p:nvSpPr>
-        <p:spPr>
-          <a:xfrm>
-            <a:off x="5989983" y="2286376"/>
-            <a:ext cx="2933701" cy="1754326"/>
-          </a:xfrm>
-          <a:prstGeom prst="rect">
-            <a:avLst/>
-          </a:prstGeom>
-        </p:spPr>
-        <p:style>
-          <a:lnRef idx="0">
-            <a:schemeClr val="accent1"/>
-          </a:lnRef>
-          <a:fillRef idx="3">
-            <a:schemeClr val="accent1"/>
-          </a:fillRef>
-          <a:effectRef idx="3">
-            <a:schemeClr val="accent1"/>
-          </a:effectRef>
-          <a:fontRef idx="minor">
-            <a:schemeClr val="lt1"/>
-          </a:fontRef>
-        </p:style>
-        <p:txBody>
-          <a:bodyPr wrap="square" rtlCol="0">
-            <a:spAutoFit/>
-          </a:bodyPr>
-          <a:lstStyle/>
-          <a:p>
-            <a:r>
-              <a:rPr kumimoji="1" lang="en-US" altLang="ja-JP" b="1" dirty="0" smtClean="0"/>
-              <a:t>Pom.xml</a:t>
-            </a:r>
-          </a:p>
-          <a:p>
-            <a:endParaRPr kumimoji="1" lang="en-US" altLang="ja-JP" dirty="0" smtClean="0"/>
-          </a:p>
-          <a:p>
-            <a:r>
-              <a:rPr lang="en-US" altLang="ja-JP" dirty="0" smtClean="0">
-                <a:solidFill>
-                  <a:schemeClr val="tx1"/>
-                </a:solidFill>
-              </a:rPr>
-              <a:t>Junit</a:t>
-            </a:r>
-            <a:r>
-              <a:rPr lang="ja-JP" altLang="en-US" dirty="0" smtClean="0">
-                <a:solidFill>
-                  <a:schemeClr val="tx1"/>
-                </a:solidFill>
-              </a:rPr>
-              <a:t>でテストするための設定を記述</a:t>
-            </a:r>
-            <a:endParaRPr lang="en-US" altLang="ja-JP" dirty="0" smtClean="0">
-              <a:solidFill>
-                <a:schemeClr val="tx1"/>
-              </a:solidFill>
-            </a:endParaRPr>
-          </a:p>
-          <a:p>
-            <a:r>
-              <a:rPr lang="ja-JP" altLang="en-US" dirty="0">
-                <a:solidFill>
-                  <a:schemeClr val="tx1"/>
-                </a:solidFill>
-              </a:rPr>
-              <a:t>今回</a:t>
-            </a:r>
-            <a:r>
-              <a:rPr lang="ja-JP" altLang="en-US" dirty="0" smtClean="0">
-                <a:solidFill>
-                  <a:schemeClr val="tx1"/>
-                </a:solidFill>
-              </a:rPr>
-              <a:t>は</a:t>
-            </a:r>
-            <a:r>
-              <a:rPr lang="en-US" altLang="ja-JP" dirty="0" smtClean="0">
-                <a:solidFill>
-                  <a:schemeClr val="tx1"/>
-                </a:solidFill>
-              </a:rPr>
-              <a:t>maven</a:t>
-            </a:r>
-            <a:r>
-              <a:rPr lang="ja-JP" altLang="en-US" dirty="0" smtClean="0">
-                <a:solidFill>
-                  <a:schemeClr val="tx1"/>
-                </a:solidFill>
-              </a:rPr>
-              <a:t>だが、他（</a:t>
-            </a:r>
-            <a:r>
-              <a:rPr lang="en-US" altLang="ja-JP" dirty="0" smtClean="0">
-                <a:solidFill>
-                  <a:schemeClr val="tx1"/>
-                </a:solidFill>
-              </a:rPr>
-              <a:t>ant</a:t>
-            </a:r>
-            <a:r>
-              <a:rPr lang="ja-JP" altLang="en-US" dirty="0" smtClean="0">
-                <a:solidFill>
-                  <a:schemeClr val="tx1"/>
-                </a:solidFill>
-              </a:rPr>
-              <a:t>とか）</a:t>
-            </a:r>
-            <a:r>
-              <a:rPr lang="ja-JP" altLang="en-US" dirty="0" smtClean="0">
-                <a:solidFill>
-                  <a:schemeClr val="tx1"/>
-                </a:solidFill>
-              </a:rPr>
-              <a:t>でも</a:t>
-            </a:r>
-            <a:r>
-              <a:rPr lang="ja-JP" altLang="en-US" dirty="0" smtClean="0">
-                <a:solidFill>
-                  <a:schemeClr val="tx1"/>
-                </a:solidFill>
-              </a:rPr>
-              <a:t>可</a:t>
-            </a:r>
-            <a:endParaRPr lang="en-US" altLang="ja-JP" dirty="0">
-              <a:solidFill>
-                <a:schemeClr val="tx1"/>
-              </a:solidFill>
-            </a:endParaRPr>
-          </a:p>
-        </p:txBody>
-      </p:sp>
-      <p:sp>
-        <p:nvSpPr>
-          <p:cNvPr id="8" name="テキスト ボックス 7"/>
-          <p:cNvSpPr txBox="1"/>
-          <p:nvPr/>
-        </p:nvSpPr>
-        <p:spPr>
-          <a:xfrm>
-            <a:off x="5989983" y="4409611"/>
-            <a:ext cx="2671969" cy="2308324"/>
-          </a:xfrm>
-          <a:prstGeom prst="rect">
-            <a:avLst/>
-          </a:prstGeom>
-        </p:spPr>
-        <p:style>
-          <a:lnRef idx="0">
-            <a:schemeClr val="accent1"/>
-          </a:lnRef>
-          <a:fillRef idx="3">
-            <a:schemeClr val="accent1"/>
-          </a:fillRef>
-          <a:effectRef idx="3">
-            <a:schemeClr val="accent1"/>
-          </a:effectRef>
-          <a:fontRef idx="minor">
-            <a:schemeClr val="lt1"/>
-          </a:fontRef>
-        </p:style>
-        <p:txBody>
-          <a:bodyPr wrap="square" rtlCol="0">
-            <a:spAutoFit/>
-          </a:bodyPr>
-          <a:lstStyle/>
-          <a:p>
-            <a:r>
-              <a:rPr lang="en-US" altLang="ja-JP" b="1" dirty="0" smtClean="0">
-                <a:solidFill>
-                  <a:schemeClr val="bg1"/>
-                </a:solidFill>
-              </a:rPr>
-              <a:t>.</a:t>
-            </a:r>
-            <a:r>
-              <a:rPr lang="en-US" altLang="ja-JP" b="1" dirty="0" err="1" smtClean="0">
-                <a:solidFill>
-                  <a:schemeClr val="bg1"/>
-                </a:solidFill>
-              </a:rPr>
-              <a:t>travis.yml</a:t>
-            </a:r>
-            <a:endParaRPr lang="en-US" altLang="ja-JP" b="1" dirty="0" smtClean="0">
-              <a:solidFill>
-                <a:schemeClr val="bg1"/>
-              </a:solidFill>
-            </a:endParaRPr>
-          </a:p>
-          <a:p>
-            <a:r>
-              <a:rPr lang="ja-JP" altLang="en-US" dirty="0" smtClean="0">
-                <a:solidFill>
-                  <a:schemeClr val="tx1"/>
-                </a:solidFill>
-              </a:rPr>
-              <a:t>言語設定</a:t>
-            </a:r>
-            <a:endParaRPr lang="en-US" altLang="ja-JP" dirty="0" smtClean="0">
-              <a:solidFill>
-                <a:schemeClr val="tx1"/>
-              </a:solidFill>
-            </a:endParaRPr>
-          </a:p>
-          <a:p>
-            <a:endParaRPr lang="en-US" altLang="ja-JP" dirty="0">
-              <a:solidFill>
-                <a:schemeClr val="tx1"/>
-              </a:solidFill>
-            </a:endParaRPr>
-          </a:p>
-          <a:p>
-            <a:r>
-              <a:rPr lang="ja-JP" altLang="en-US" dirty="0" smtClean="0">
-                <a:solidFill>
-                  <a:schemeClr val="tx1"/>
-                </a:solidFill>
-              </a:rPr>
-              <a:t>他にもいろいろできる</a:t>
-            </a:r>
-            <a:endParaRPr lang="en-US" altLang="ja-JP" dirty="0" smtClean="0">
-              <a:solidFill>
-                <a:schemeClr val="tx1"/>
-              </a:solidFill>
-            </a:endParaRPr>
-          </a:p>
-          <a:p>
-            <a:r>
-              <a:rPr lang="ja-JP" altLang="en-US" dirty="0" smtClean="0">
-                <a:solidFill>
-                  <a:schemeClr val="tx1"/>
-                </a:solidFill>
-              </a:rPr>
-              <a:t>・</a:t>
-            </a:r>
-            <a:r>
-              <a:rPr lang="en-US" altLang="ja-JP" dirty="0" smtClean="0">
-                <a:solidFill>
-                  <a:schemeClr val="tx1"/>
-                </a:solidFill>
-              </a:rPr>
-              <a:t>build</a:t>
-            </a:r>
-            <a:r>
-              <a:rPr lang="ja-JP" altLang="en-US" dirty="0" smtClean="0">
-                <a:solidFill>
-                  <a:schemeClr val="tx1"/>
-                </a:solidFill>
-              </a:rPr>
-              <a:t>前の動作</a:t>
-            </a:r>
-            <a:endParaRPr lang="en-US" altLang="ja-JP" dirty="0" smtClean="0">
-              <a:solidFill>
-                <a:schemeClr val="tx1"/>
-              </a:solidFill>
-            </a:endParaRPr>
-          </a:p>
-          <a:p>
-            <a:r>
-              <a:rPr lang="ja-JP" altLang="en-US" dirty="0" smtClean="0">
-                <a:solidFill>
-                  <a:schemeClr val="tx1"/>
-                </a:solidFill>
-              </a:rPr>
-              <a:t>・</a:t>
-            </a:r>
-            <a:r>
-              <a:rPr lang="en-US" altLang="ja-JP" dirty="0" smtClean="0">
-                <a:solidFill>
-                  <a:schemeClr val="tx1"/>
-                </a:solidFill>
-              </a:rPr>
-              <a:t>build</a:t>
-            </a:r>
-            <a:r>
-              <a:rPr lang="ja-JP" altLang="en-US" dirty="0" smtClean="0">
-                <a:solidFill>
-                  <a:schemeClr val="tx1"/>
-                </a:solidFill>
-              </a:rPr>
-              <a:t>成功時の動作</a:t>
-            </a:r>
-            <a:endParaRPr lang="en-US" altLang="ja-JP" dirty="0" smtClean="0">
-              <a:solidFill>
-                <a:schemeClr val="tx1"/>
-              </a:solidFill>
-            </a:endParaRPr>
-          </a:p>
-          <a:p>
-            <a:r>
-              <a:rPr lang="ja-JP" altLang="en-US" dirty="0" smtClean="0">
-                <a:solidFill>
-                  <a:schemeClr val="tx1"/>
-                </a:solidFill>
-              </a:rPr>
-              <a:t>・メール</a:t>
-            </a:r>
-            <a:endParaRPr lang="en-US" altLang="ja-JP" dirty="0" smtClean="0">
-              <a:solidFill>
-                <a:schemeClr val="tx1"/>
-              </a:solidFill>
-            </a:endParaRPr>
-          </a:p>
-          <a:p>
-            <a:r>
-              <a:rPr lang="ja-JP" altLang="en-US" dirty="0" smtClean="0">
-                <a:solidFill>
-                  <a:schemeClr val="tx1"/>
-                </a:solidFill>
-              </a:rPr>
-              <a:t>・・・・</a:t>
-            </a:r>
-            <a:endParaRPr lang="en-US" altLang="ja-JP" dirty="0" smtClean="0">
-              <a:solidFill>
-                <a:schemeClr val="tx1"/>
-              </a:solidFill>
-            </a:endParaRPr>
           </a:p>
         </p:txBody>
       </p:sp>
       <p:pic>
         <p:nvPicPr>
-          <p:cNvPr id="11" name="図 10"/>
+          <p:cNvPr id="4" name="図 3"/>
           <p:cNvPicPr>
             <a:picLocks noChangeAspect="1"/>
           </p:cNvPicPr>
           <p:nvPr/>
         </p:nvPicPr>
-        <p:blipFill>
+        <p:blipFill rotWithShape="1">
           <a:blip r:embed="rId2"/>
-          <a:stretch>
-            <a:fillRect/>
-          </a:stretch>
+          <a:srcRect l="8569" t="10864" r="3878" b="38888"/>
+          <a:stretch/>
         </p:blipFill>
         <p:spPr>
           <a:xfrm>
-            <a:off x="9497747" y="5168410"/>
-            <a:ext cx="1856053" cy="1027458"/>
+            <a:off x="530087" y="1060174"/>
+            <a:ext cx="4504624" cy="1643269"/>
           </a:xfrm>
           <a:prstGeom prst="rect">
             <a:avLst/>
@@ -4810,90 +4332,23 @@
           </a:effectLst>
         </p:spPr>
       </p:pic>
-      <p:cxnSp>
-        <p:nvCxnSpPr>
-          <p:cNvPr id="14" name="直線矢印コネクタ 13"/>
-          <p:cNvCxnSpPr>
-            <a:stCxn id="8" idx="3"/>
-            <a:endCxn id="11" idx="1"/>
-          </p:cNvCxnSpPr>
-          <p:nvPr/>
-        </p:nvCxnSpPr>
-        <p:spPr>
-          <a:xfrm>
-            <a:off x="8661952" y="5563773"/>
-            <a:ext cx="835795" cy="118366"/>
-          </a:xfrm>
-          <a:prstGeom prst="straightConnector1">
-            <a:avLst/>
-          </a:prstGeom>
-          <a:ln>
-            <a:tailEnd type="triangle"/>
-          </a:ln>
-        </p:spPr>
-        <p:style>
-          <a:lnRef idx="1">
-            <a:schemeClr val="dk1"/>
-          </a:lnRef>
-          <a:fillRef idx="0">
-            <a:schemeClr val="dk1"/>
-          </a:fillRef>
-          <a:effectRef idx="0">
-            <a:schemeClr val="dk1"/>
-          </a:effectRef>
-          <a:fontRef idx="minor">
-            <a:schemeClr val="tx1"/>
-          </a:fontRef>
-        </p:style>
-      </p:cxnSp>
-      <p:sp>
-        <p:nvSpPr>
-          <p:cNvPr id="16" name="テキスト ボックス 15"/>
-          <p:cNvSpPr txBox="1"/>
-          <p:nvPr/>
-        </p:nvSpPr>
-        <p:spPr>
-          <a:xfrm>
-            <a:off x="9497747" y="4702792"/>
-            <a:ext cx="2239617" cy="369332"/>
-          </a:xfrm>
-          <a:prstGeom prst="rect">
-            <a:avLst/>
-          </a:prstGeom>
-          <a:noFill/>
-        </p:spPr>
-        <p:txBody>
-          <a:bodyPr wrap="square" rtlCol="0">
-            <a:spAutoFit/>
-          </a:bodyPr>
-          <a:lstStyle/>
-          <a:p>
-            <a:r>
-              <a:rPr kumimoji="1" lang="ja-JP" altLang="en-US" dirty="0" smtClean="0"/>
-              <a:t>今回はこれだけ？</a:t>
-            </a:r>
-            <a:endParaRPr kumimoji="1" lang="ja-JP" altLang="en-US" dirty="0"/>
-          </a:p>
-        </p:txBody>
-      </p:sp>
       <p:pic>
         <p:nvPicPr>
-          <p:cNvPr id="19" name="図 18"/>
+          <p:cNvPr id="6" name="図 5"/>
           <p:cNvPicPr>
             <a:picLocks noChangeAspect="1"/>
           </p:cNvPicPr>
           <p:nvPr/>
         </p:nvPicPr>
-        <p:blipFill>
+        <p:blipFill rotWithShape="1">
           <a:blip r:embed="rId3"/>
-          <a:stretch>
-            <a:fillRect/>
-          </a:stretch>
+          <a:srcRect l="36041" t="11567" r="36710" b="21845"/>
+          <a:stretch/>
         </p:blipFill>
         <p:spPr>
           <a:xfrm>
-            <a:off x="680832" y="2053851"/>
-            <a:ext cx="1928190" cy="2592202"/>
+            <a:off x="1099931" y="3193774"/>
+            <a:ext cx="2047619" cy="3180522"/>
           </a:xfrm>
           <a:prstGeom prst="rect">
             <a:avLst/>
@@ -4912,127 +4367,1228 @@
       </p:pic>
       <p:sp>
         <p:nvSpPr>
-          <p:cNvPr id="20" name="テキスト ボックス 19"/>
-          <p:cNvSpPr txBox="1"/>
+          <p:cNvPr id="7" name="四角形吹き出し 6"/>
+          <p:cNvSpPr/>
           <p:nvPr/>
         </p:nvSpPr>
         <p:spPr>
           <a:xfrm>
-            <a:off x="680832" y="1495893"/>
-            <a:ext cx="2239617" cy="369332"/>
+            <a:off x="108733" y="3328729"/>
+            <a:ext cx="1723980" cy="584853"/>
+          </a:xfrm>
+          <a:prstGeom prst="wedgeRectCallout">
+            <a:avLst>
+              <a:gd name="adj1" fmla="val 39100"/>
+              <a:gd name="adj2" fmla="val 100722"/>
+            </a:avLst>
+          </a:prstGeom>
+        </p:spPr>
+        <p:style>
+          <a:lnRef idx="2">
+            <a:schemeClr val="accent1">
+              <a:shade val="50000"/>
+            </a:schemeClr>
+          </a:lnRef>
+          <a:fillRef idx="1">
+            <a:schemeClr val="accent1"/>
+          </a:fillRef>
+          <a:effectRef idx="0">
+            <a:schemeClr val="accent1"/>
+          </a:effectRef>
+          <a:fontRef idx="minor">
+            <a:schemeClr val="lt1"/>
+          </a:fontRef>
+        </p:style>
+        <p:txBody>
+          <a:bodyPr rtlCol="0" anchor="ctr"/>
+          <a:lstStyle/>
+          <a:p>
+            <a:pPr algn="ctr"/>
+            <a:r>
+              <a:rPr kumimoji="1" lang="en-US" altLang="ja-JP" sz="1600" dirty="0" smtClean="0"/>
+              <a:t>GitHub</a:t>
+            </a:r>
+            <a:r>
+              <a:rPr kumimoji="1" lang="ja-JP" altLang="en-US" sz="1600" dirty="0" smtClean="0"/>
+              <a:t>ユーザ</a:t>
+            </a:r>
+            <a:r>
+              <a:rPr kumimoji="1" lang="ja-JP" altLang="en-US" sz="1600" dirty="0" smtClean="0"/>
+              <a:t>で</a:t>
+            </a:r>
+            <a:endParaRPr kumimoji="1" lang="en-US" altLang="ja-JP" sz="1600" dirty="0" smtClean="0"/>
+          </a:p>
+          <a:p>
+            <a:pPr algn="ctr"/>
+            <a:r>
+              <a:rPr kumimoji="1" lang="ja-JP" altLang="en-US" sz="1600" dirty="0" smtClean="0"/>
+              <a:t>ログイン</a:t>
+            </a:r>
+            <a:endParaRPr kumimoji="1" lang="ja-JP" altLang="en-US" sz="1600" dirty="0"/>
+          </a:p>
+        </p:txBody>
+      </p:sp>
+      <p:pic>
+        <p:nvPicPr>
+          <p:cNvPr id="8" name="図 7"/>
+          <p:cNvPicPr>
+            <a:picLocks noChangeAspect="1" noChangeArrowheads="1"/>
+          </p:cNvPicPr>
+          <p:nvPr/>
+        </p:nvPicPr>
+        <p:blipFill rotWithShape="1">
+          <a:blip r:embed="rId4">
+            <a:extLst>
+              <a:ext uri="{28A0092B-C50C-407E-A947-70E740481C1C}">
+                <a14:useLocalDpi xmlns:a14="http://schemas.microsoft.com/office/drawing/2010/main" val="0"/>
+              </a:ext>
+            </a:extLst>
+          </a:blip>
+          <a:srcRect l="7791" t="11045" r="64628" b="30984"/>
+          <a:stretch/>
+        </p:blipFill>
+        <p:spPr bwMode="auto">
+          <a:xfrm>
+            <a:off x="3828973" y="3193774"/>
+            <a:ext cx="2301220" cy="3074504"/>
           </a:xfrm>
           <a:prstGeom prst="rect">
             <a:avLst/>
           </a:prstGeom>
+          <a:ln>
+            <a:noFill/>
+          </a:ln>
+          <a:effectLst>
+            <a:outerShdw blurRad="292100" dist="139700" dir="2700000" algn="tl" rotWithShape="0">
+              <a:srgbClr val="333333">
+                <a:alpha val="65000"/>
+              </a:srgbClr>
+            </a:outerShdw>
+          </a:effectLst>
+          <a:extLst>
+            <a:ext uri="{909E8E84-426E-40DD-AFC4-6F175D3DCCD1}">
+              <a14:hiddenFill xmlns:a14="http://schemas.microsoft.com/office/drawing/2010/main">
+                <a:solidFill>
+                  <a:srgbClr val="FFFFFF"/>
+                </a:solidFill>
+              </a14:hiddenFill>
+            </a:ext>
+          </a:extLst>
+        </p:spPr>
+      </p:pic>
+      <p:sp>
+        <p:nvSpPr>
+          <p:cNvPr id="9" name="テキスト ボックス 18"/>
+          <p:cNvSpPr txBox="1"/>
+          <p:nvPr/>
+        </p:nvSpPr>
+        <p:spPr>
+          <a:xfrm>
+            <a:off x="4223919" y="3687625"/>
+            <a:ext cx="1227068" cy="195263"/>
+          </a:xfrm>
+          <a:prstGeom prst="rect">
+            <a:avLst/>
+          </a:prstGeom>
+          <a:solidFill>
+            <a:schemeClr val="lt1"/>
+          </a:solidFill>
+          <a:ln w="9525" cmpd="sng">
+            <a:solidFill>
+              <a:schemeClr val="lt1">
+                <a:shade val="50000"/>
+              </a:schemeClr>
+            </a:solidFill>
+          </a:ln>
         </p:spPr>
         <p:style>
-          <a:lnRef idx="2">
-            <a:schemeClr val="accent1"/>
+          <a:lnRef idx="0">
+            <a:scrgbClr r="0" g="0" b="0"/>
           </a:lnRef>
-          <a:fillRef idx="1">
-            <a:schemeClr val="lt1"/>
+          <a:fillRef idx="0">
+            <a:scrgbClr r="0" g="0" b="0"/>
           </a:fillRef>
           <a:effectRef idx="0">
-            <a:schemeClr val="accent1"/>
+            <a:scrgbClr r="0" g="0" b="0"/>
           </a:effectRef>
           <a:fontRef idx="minor">
             <a:schemeClr val="dk1"/>
           </a:fontRef>
         </p:style>
         <p:txBody>
-          <a:bodyPr wrap="square" rtlCol="0">
-            <a:spAutoFit/>
-          </a:bodyPr>
-          <a:lstStyle/>
-          <a:p>
-            <a:r>
-              <a:rPr kumimoji="1" lang="ja-JP" altLang="en-US" dirty="0" smtClean="0"/>
-              <a:t>フォルダ構成</a:t>
-            </a:r>
-            <a:endParaRPr kumimoji="1" lang="ja-JP" altLang="en-US" dirty="0"/>
-          </a:p>
-        </p:txBody>
-      </p:sp>
-      <p:sp>
-        <p:nvSpPr>
-          <p:cNvPr id="21" name="テキスト ボックス 20"/>
-          <p:cNvSpPr txBox="1"/>
+          <a:bodyPr wrap="square" rtlCol="0" anchor="t"/>
+          <a:lstStyle>
+            <a:lvl1pPr marL="0" indent="0">
+              <a:defRPr sz="1100">
+                <a:solidFill>
+                  <a:schemeClr val="dk1"/>
+                </a:solidFill>
+                <a:latin typeface="+mn-lt"/>
+                <a:ea typeface="+mn-ea"/>
+                <a:cs typeface="+mn-cs"/>
+              </a:defRPr>
+            </a:lvl1pPr>
+            <a:lvl2pPr marL="457200" indent="0">
+              <a:defRPr sz="1100">
+                <a:solidFill>
+                  <a:schemeClr val="dk1"/>
+                </a:solidFill>
+                <a:latin typeface="+mn-lt"/>
+                <a:ea typeface="+mn-ea"/>
+                <a:cs typeface="+mn-cs"/>
+              </a:defRPr>
+            </a:lvl2pPr>
+            <a:lvl3pPr marL="914400" indent="0">
+              <a:defRPr sz="1100">
+                <a:solidFill>
+                  <a:schemeClr val="dk1"/>
+                </a:solidFill>
+                <a:latin typeface="+mn-lt"/>
+                <a:ea typeface="+mn-ea"/>
+                <a:cs typeface="+mn-cs"/>
+              </a:defRPr>
+            </a:lvl3pPr>
+            <a:lvl4pPr marL="1371600" indent="0">
+              <a:defRPr sz="1100">
+                <a:solidFill>
+                  <a:schemeClr val="dk1"/>
+                </a:solidFill>
+                <a:latin typeface="+mn-lt"/>
+                <a:ea typeface="+mn-ea"/>
+                <a:cs typeface="+mn-cs"/>
+              </a:defRPr>
+            </a:lvl4pPr>
+            <a:lvl5pPr marL="1828800" indent="0">
+              <a:defRPr sz="1100">
+                <a:solidFill>
+                  <a:schemeClr val="dk1"/>
+                </a:solidFill>
+                <a:latin typeface="+mn-lt"/>
+                <a:ea typeface="+mn-ea"/>
+                <a:cs typeface="+mn-cs"/>
+              </a:defRPr>
+            </a:lvl5pPr>
+            <a:lvl6pPr marL="2286000" indent="0">
+              <a:defRPr sz="1100">
+                <a:solidFill>
+                  <a:schemeClr val="dk1"/>
+                </a:solidFill>
+                <a:latin typeface="+mn-lt"/>
+                <a:ea typeface="+mn-ea"/>
+                <a:cs typeface="+mn-cs"/>
+              </a:defRPr>
+            </a:lvl6pPr>
+            <a:lvl7pPr marL="2743200" indent="0">
+              <a:defRPr sz="1100">
+                <a:solidFill>
+                  <a:schemeClr val="dk1"/>
+                </a:solidFill>
+                <a:latin typeface="+mn-lt"/>
+                <a:ea typeface="+mn-ea"/>
+                <a:cs typeface="+mn-cs"/>
+              </a:defRPr>
+            </a:lvl7pPr>
+            <a:lvl8pPr marL="3200400" indent="0">
+              <a:defRPr sz="1100">
+                <a:solidFill>
+                  <a:schemeClr val="dk1"/>
+                </a:solidFill>
+                <a:latin typeface="+mn-lt"/>
+                <a:ea typeface="+mn-ea"/>
+                <a:cs typeface="+mn-cs"/>
+              </a:defRPr>
+            </a:lvl8pPr>
+            <a:lvl9pPr marL="3657600" indent="0">
+              <a:defRPr sz="1100">
+                <a:solidFill>
+                  <a:schemeClr val="dk1"/>
+                </a:solidFill>
+                <a:latin typeface="+mn-lt"/>
+                <a:ea typeface="+mn-ea"/>
+                <a:cs typeface="+mn-cs"/>
+              </a:defRPr>
+            </a:lvl9pPr>
+          </a:lstStyle>
+          <a:p>
+            <a:r>
+              <a:rPr kumimoji="1" lang="ja-JP" altLang="en-US" sz="1100"/>
+              <a:t>ユーザー名</a:t>
+            </a:r>
+          </a:p>
+        </p:txBody>
+      </p:sp>
+      <p:sp>
+        <p:nvSpPr>
+          <p:cNvPr id="10" name="正方形/長方形 9"/>
+          <p:cNvSpPr/>
           <p:nvPr/>
         </p:nvSpPr>
         <p:spPr>
           <a:xfrm>
-            <a:off x="5989983" y="1537645"/>
-            <a:ext cx="2239617" cy="369332"/>
+            <a:off x="7982074" y="108644"/>
+            <a:ext cx="3958135" cy="369332"/>
           </a:xfrm>
           <a:prstGeom prst="rect">
             <a:avLst/>
           </a:prstGeom>
         </p:spPr>
+        <p:txBody>
+          <a:bodyPr wrap="none">
+            <a:spAutoFit/>
+          </a:bodyPr>
+          <a:lstStyle/>
+          <a:p>
+            <a:r>
+              <a:rPr lang="ja-JP" altLang="en-US" dirty="0" smtClean="0"/>
+              <a:t>３．</a:t>
+            </a:r>
+            <a:r>
+              <a:rPr lang="en-US" altLang="ja-JP" dirty="0" smtClean="0"/>
+              <a:t> </a:t>
+            </a:r>
+            <a:r>
+              <a:rPr lang="en-US" altLang="ja-JP" dirty="0"/>
+              <a:t>Travis</a:t>
+            </a:r>
+            <a:r>
+              <a:rPr lang="ja-JP" altLang="en-US" dirty="0"/>
+              <a:t>に登録＆</a:t>
+            </a:r>
+            <a:r>
+              <a:rPr lang="en-US" altLang="ja-JP" dirty="0"/>
+              <a:t>GitHub</a:t>
+            </a:r>
+            <a:r>
+              <a:rPr lang="ja-JP" altLang="en-US" dirty="0"/>
+              <a:t>と紐づけ</a:t>
+            </a:r>
+          </a:p>
+        </p:txBody>
+      </p:sp>
+      <p:sp>
+        <p:nvSpPr>
+          <p:cNvPr id="11" name="角丸四角形 10"/>
+          <p:cNvSpPr/>
+          <p:nvPr/>
+        </p:nvSpPr>
+        <p:spPr>
+          <a:xfrm>
+            <a:off x="3828973" y="5813565"/>
+            <a:ext cx="934279" cy="306042"/>
+          </a:xfrm>
+          <a:prstGeom prst="roundRect">
+            <a:avLst/>
+          </a:prstGeom>
+          <a:noFill/>
+          <a:ln w="28575">
+            <a:solidFill>
+              <a:srgbClr val="FF0000"/>
+            </a:solidFill>
+          </a:ln>
+        </p:spPr>
         <p:style>
           <a:lnRef idx="2">
-            <a:schemeClr val="accent1"/>
+            <a:schemeClr val="accent1">
+              <a:shade val="50000"/>
+            </a:schemeClr>
           </a:lnRef>
           <a:fillRef idx="1">
-            <a:schemeClr val="lt1"/>
+            <a:schemeClr val="accent1"/>
           </a:fillRef>
           <a:effectRef idx="0">
             <a:schemeClr val="accent1"/>
           </a:effectRef>
           <a:fontRef idx="minor">
-            <a:schemeClr val="dk1"/>
+            <a:schemeClr val="lt1"/>
           </a:fontRef>
         </p:style>
         <p:txBody>
-          <a:bodyPr wrap="square" rtlCol="0">
-            <a:spAutoFit/>
-          </a:bodyPr>
-          <a:lstStyle/>
-          <a:p>
-            <a:r>
-              <a:rPr kumimoji="1" lang="ja-JP" altLang="en-US" dirty="0" smtClean="0"/>
-              <a:t>設定ファイル</a:t>
-            </a:r>
-            <a:endParaRPr kumimoji="1" lang="ja-JP" altLang="en-US" dirty="0"/>
-          </a:p>
-        </p:txBody>
-      </p:sp>
-      <p:cxnSp>
-        <p:nvCxnSpPr>
-          <p:cNvPr id="22" name="直線矢印コネクタ 21"/>
-          <p:cNvCxnSpPr/>
+          <a:bodyPr rtlCol="0" anchor="t"/>
+          <a:lstStyle>
+            <a:lvl1pPr marL="0" indent="0">
+              <a:defRPr sz="1100">
+                <a:solidFill>
+                  <a:schemeClr val="lt1"/>
+                </a:solidFill>
+                <a:latin typeface="+mn-lt"/>
+                <a:ea typeface="+mn-ea"/>
+                <a:cs typeface="+mn-cs"/>
+              </a:defRPr>
+            </a:lvl1pPr>
+            <a:lvl2pPr marL="457200" indent="0">
+              <a:defRPr sz="1100">
+                <a:solidFill>
+                  <a:schemeClr val="lt1"/>
+                </a:solidFill>
+                <a:latin typeface="+mn-lt"/>
+                <a:ea typeface="+mn-ea"/>
+                <a:cs typeface="+mn-cs"/>
+              </a:defRPr>
+            </a:lvl2pPr>
+            <a:lvl3pPr marL="914400" indent="0">
+              <a:defRPr sz="1100">
+                <a:solidFill>
+                  <a:schemeClr val="lt1"/>
+                </a:solidFill>
+                <a:latin typeface="+mn-lt"/>
+                <a:ea typeface="+mn-ea"/>
+                <a:cs typeface="+mn-cs"/>
+              </a:defRPr>
+            </a:lvl3pPr>
+            <a:lvl4pPr marL="1371600" indent="0">
+              <a:defRPr sz="1100">
+                <a:solidFill>
+                  <a:schemeClr val="lt1"/>
+                </a:solidFill>
+                <a:latin typeface="+mn-lt"/>
+                <a:ea typeface="+mn-ea"/>
+                <a:cs typeface="+mn-cs"/>
+              </a:defRPr>
+            </a:lvl4pPr>
+            <a:lvl5pPr marL="1828800" indent="0">
+              <a:defRPr sz="1100">
+                <a:solidFill>
+                  <a:schemeClr val="lt1"/>
+                </a:solidFill>
+                <a:latin typeface="+mn-lt"/>
+                <a:ea typeface="+mn-ea"/>
+                <a:cs typeface="+mn-cs"/>
+              </a:defRPr>
+            </a:lvl5pPr>
+            <a:lvl6pPr marL="2286000" indent="0">
+              <a:defRPr sz="1100">
+                <a:solidFill>
+                  <a:schemeClr val="lt1"/>
+                </a:solidFill>
+                <a:latin typeface="+mn-lt"/>
+                <a:ea typeface="+mn-ea"/>
+                <a:cs typeface="+mn-cs"/>
+              </a:defRPr>
+            </a:lvl6pPr>
+            <a:lvl7pPr marL="2743200" indent="0">
+              <a:defRPr sz="1100">
+                <a:solidFill>
+                  <a:schemeClr val="lt1"/>
+                </a:solidFill>
+                <a:latin typeface="+mn-lt"/>
+                <a:ea typeface="+mn-ea"/>
+                <a:cs typeface="+mn-cs"/>
+              </a:defRPr>
+            </a:lvl7pPr>
+            <a:lvl8pPr marL="3200400" indent="0">
+              <a:defRPr sz="1100">
+                <a:solidFill>
+                  <a:schemeClr val="lt1"/>
+                </a:solidFill>
+                <a:latin typeface="+mn-lt"/>
+                <a:ea typeface="+mn-ea"/>
+                <a:cs typeface="+mn-cs"/>
+              </a:defRPr>
+            </a:lvl8pPr>
+            <a:lvl9pPr marL="3657600" indent="0">
+              <a:defRPr sz="1100">
+                <a:solidFill>
+                  <a:schemeClr val="lt1"/>
+                </a:solidFill>
+                <a:latin typeface="+mn-lt"/>
+                <a:ea typeface="+mn-ea"/>
+                <a:cs typeface="+mn-cs"/>
+              </a:defRPr>
+            </a:lvl9pPr>
+          </a:lstStyle>
+          <a:p>
+            <a:pPr algn="l"/>
+            <a:endParaRPr kumimoji="1" lang="ja-JP" altLang="en-US" sz="1100"/>
+          </a:p>
+        </p:txBody>
+      </p:sp>
+      <p:sp>
+        <p:nvSpPr>
+          <p:cNvPr id="13" name="角丸四角形 12"/>
+          <p:cNvSpPr/>
           <p:nvPr/>
-        </p:nvCxnSpPr>
-        <p:spPr>
-          <a:xfrm>
-            <a:off x="1842052" y="2286376"/>
-            <a:ext cx="1078397" cy="0"/>
-          </a:xfrm>
-          <a:prstGeom prst="straightConnector1">
+        </p:nvSpPr>
+        <p:spPr>
+          <a:xfrm>
+            <a:off x="2030018" y="2204415"/>
+            <a:ext cx="1095375" cy="400050"/>
+          </a:xfrm>
+          <a:prstGeom prst="roundRect">
+            <a:avLst/>
+          </a:prstGeom>
+          <a:noFill/>
+          <a:ln w="28575">
+            <a:solidFill>
+              <a:srgbClr val="FF0000"/>
+            </a:solidFill>
+          </a:ln>
+        </p:spPr>
+        <p:style>
+          <a:lnRef idx="2">
+            <a:schemeClr val="accent1">
+              <a:shade val="50000"/>
+            </a:schemeClr>
+          </a:lnRef>
+          <a:fillRef idx="1">
+            <a:schemeClr val="accent1"/>
+          </a:fillRef>
+          <a:effectRef idx="0">
+            <a:schemeClr val="accent1"/>
+          </a:effectRef>
+          <a:fontRef idx="minor">
+            <a:schemeClr val="lt1"/>
+          </a:fontRef>
+        </p:style>
+        <p:txBody>
+          <a:bodyPr rtlCol="0" anchor="t"/>
+          <a:lstStyle>
+            <a:lvl1pPr marL="0" indent="0">
+              <a:defRPr sz="1100">
+                <a:solidFill>
+                  <a:schemeClr val="lt1"/>
+                </a:solidFill>
+                <a:latin typeface="+mn-lt"/>
+                <a:ea typeface="+mn-ea"/>
+                <a:cs typeface="+mn-cs"/>
+              </a:defRPr>
+            </a:lvl1pPr>
+            <a:lvl2pPr marL="457200" indent="0">
+              <a:defRPr sz="1100">
+                <a:solidFill>
+                  <a:schemeClr val="lt1"/>
+                </a:solidFill>
+                <a:latin typeface="+mn-lt"/>
+                <a:ea typeface="+mn-ea"/>
+                <a:cs typeface="+mn-cs"/>
+              </a:defRPr>
+            </a:lvl2pPr>
+            <a:lvl3pPr marL="914400" indent="0">
+              <a:defRPr sz="1100">
+                <a:solidFill>
+                  <a:schemeClr val="lt1"/>
+                </a:solidFill>
+                <a:latin typeface="+mn-lt"/>
+                <a:ea typeface="+mn-ea"/>
+                <a:cs typeface="+mn-cs"/>
+              </a:defRPr>
+            </a:lvl3pPr>
+            <a:lvl4pPr marL="1371600" indent="0">
+              <a:defRPr sz="1100">
+                <a:solidFill>
+                  <a:schemeClr val="lt1"/>
+                </a:solidFill>
+                <a:latin typeface="+mn-lt"/>
+                <a:ea typeface="+mn-ea"/>
+                <a:cs typeface="+mn-cs"/>
+              </a:defRPr>
+            </a:lvl4pPr>
+            <a:lvl5pPr marL="1828800" indent="0">
+              <a:defRPr sz="1100">
+                <a:solidFill>
+                  <a:schemeClr val="lt1"/>
+                </a:solidFill>
+                <a:latin typeface="+mn-lt"/>
+                <a:ea typeface="+mn-ea"/>
+                <a:cs typeface="+mn-cs"/>
+              </a:defRPr>
+            </a:lvl5pPr>
+            <a:lvl6pPr marL="2286000" indent="0">
+              <a:defRPr sz="1100">
+                <a:solidFill>
+                  <a:schemeClr val="lt1"/>
+                </a:solidFill>
+                <a:latin typeface="+mn-lt"/>
+                <a:ea typeface="+mn-ea"/>
+                <a:cs typeface="+mn-cs"/>
+              </a:defRPr>
+            </a:lvl6pPr>
+            <a:lvl7pPr marL="2743200" indent="0">
+              <a:defRPr sz="1100">
+                <a:solidFill>
+                  <a:schemeClr val="lt1"/>
+                </a:solidFill>
+                <a:latin typeface="+mn-lt"/>
+                <a:ea typeface="+mn-ea"/>
+                <a:cs typeface="+mn-cs"/>
+              </a:defRPr>
+            </a:lvl7pPr>
+            <a:lvl8pPr marL="3200400" indent="0">
+              <a:defRPr sz="1100">
+                <a:solidFill>
+                  <a:schemeClr val="lt1"/>
+                </a:solidFill>
+                <a:latin typeface="+mn-lt"/>
+                <a:ea typeface="+mn-ea"/>
+                <a:cs typeface="+mn-cs"/>
+              </a:defRPr>
+            </a:lvl8pPr>
+            <a:lvl9pPr marL="3657600" indent="0">
+              <a:defRPr sz="1100">
+                <a:solidFill>
+                  <a:schemeClr val="lt1"/>
+                </a:solidFill>
+                <a:latin typeface="+mn-lt"/>
+                <a:ea typeface="+mn-ea"/>
+                <a:cs typeface="+mn-cs"/>
+              </a:defRPr>
+            </a:lvl9pPr>
+          </a:lstStyle>
+          <a:p>
+            <a:pPr algn="l"/>
+            <a:endParaRPr kumimoji="1" lang="ja-JP" altLang="en-US" sz="1100"/>
+          </a:p>
+        </p:txBody>
+      </p:sp>
+      <p:pic>
+        <p:nvPicPr>
+          <p:cNvPr id="14" name="図 13"/>
+          <p:cNvPicPr>
+            <a:picLocks noChangeAspect="1"/>
+          </p:cNvPicPr>
+          <p:nvPr/>
+        </p:nvPicPr>
+        <p:blipFill rotWithShape="1">
+          <a:blip r:embed="rId5"/>
+          <a:srcRect l="25104" t="73410" r="2919" b="10426"/>
+          <a:stretch/>
+        </p:blipFill>
+        <p:spPr>
+          <a:xfrm>
+            <a:off x="5450987" y="1293674"/>
+            <a:ext cx="6393308" cy="1007165"/>
+          </a:xfrm>
+          <a:prstGeom prst="rect">
             <a:avLst/>
           </a:prstGeom>
           <a:ln>
-            <a:tailEnd type="triangle"/>
+            <a:noFill/>
           </a:ln>
+          <a:effectLst>
+            <a:outerShdw blurRad="292100" dist="139700" dir="2700000" algn="tl" rotWithShape="0">
+              <a:srgbClr val="333333">
+                <a:alpha val="65000"/>
+              </a:srgbClr>
+            </a:outerShdw>
+          </a:effectLst>
+        </p:spPr>
+      </p:pic>
+      <p:sp>
+        <p:nvSpPr>
+          <p:cNvPr id="15" name="角丸四角形 14"/>
+          <p:cNvSpPr/>
+          <p:nvPr/>
+        </p:nvSpPr>
+        <p:spPr>
+          <a:xfrm>
+            <a:off x="10866781" y="1804366"/>
+            <a:ext cx="715619" cy="400049"/>
+          </a:xfrm>
+          <a:prstGeom prst="roundRect">
+            <a:avLst/>
+          </a:prstGeom>
+          <a:noFill/>
+          <a:ln w="28575">
+            <a:solidFill>
+              <a:srgbClr val="FF0000"/>
+            </a:solidFill>
+          </a:ln>
         </p:spPr>
         <p:style>
-          <a:lnRef idx="1">
-            <a:schemeClr val="dk1"/>
+          <a:lnRef idx="2">
+            <a:schemeClr val="accent1">
+              <a:shade val="50000"/>
+            </a:schemeClr>
           </a:lnRef>
-          <a:fillRef idx="0">
-            <a:schemeClr val="dk1"/>
+          <a:fillRef idx="1">
+            <a:schemeClr val="accent1"/>
           </a:fillRef>
           <a:effectRef idx="0">
-            <a:schemeClr val="dk1"/>
+            <a:schemeClr val="accent1"/>
           </a:effectRef>
           <a:fontRef idx="minor">
-            <a:schemeClr val="tx1"/>
+            <a:schemeClr val="lt1"/>
           </a:fontRef>
         </p:style>
-      </p:cxnSp>
+        <p:txBody>
+          <a:bodyPr rtlCol="0" anchor="t"/>
+          <a:lstStyle>
+            <a:lvl1pPr marL="0" indent="0">
+              <a:defRPr sz="1100">
+                <a:solidFill>
+                  <a:schemeClr val="lt1"/>
+                </a:solidFill>
+                <a:latin typeface="+mn-lt"/>
+                <a:ea typeface="+mn-ea"/>
+                <a:cs typeface="+mn-cs"/>
+              </a:defRPr>
+            </a:lvl1pPr>
+            <a:lvl2pPr marL="457200" indent="0">
+              <a:defRPr sz="1100">
+                <a:solidFill>
+                  <a:schemeClr val="lt1"/>
+                </a:solidFill>
+                <a:latin typeface="+mn-lt"/>
+                <a:ea typeface="+mn-ea"/>
+                <a:cs typeface="+mn-cs"/>
+              </a:defRPr>
+            </a:lvl2pPr>
+            <a:lvl3pPr marL="914400" indent="0">
+              <a:defRPr sz="1100">
+                <a:solidFill>
+                  <a:schemeClr val="lt1"/>
+                </a:solidFill>
+                <a:latin typeface="+mn-lt"/>
+                <a:ea typeface="+mn-ea"/>
+                <a:cs typeface="+mn-cs"/>
+              </a:defRPr>
+            </a:lvl3pPr>
+            <a:lvl4pPr marL="1371600" indent="0">
+              <a:defRPr sz="1100">
+                <a:solidFill>
+                  <a:schemeClr val="lt1"/>
+                </a:solidFill>
+                <a:latin typeface="+mn-lt"/>
+                <a:ea typeface="+mn-ea"/>
+                <a:cs typeface="+mn-cs"/>
+              </a:defRPr>
+            </a:lvl4pPr>
+            <a:lvl5pPr marL="1828800" indent="0">
+              <a:defRPr sz="1100">
+                <a:solidFill>
+                  <a:schemeClr val="lt1"/>
+                </a:solidFill>
+                <a:latin typeface="+mn-lt"/>
+                <a:ea typeface="+mn-ea"/>
+                <a:cs typeface="+mn-cs"/>
+              </a:defRPr>
+            </a:lvl5pPr>
+            <a:lvl6pPr marL="2286000" indent="0">
+              <a:defRPr sz="1100">
+                <a:solidFill>
+                  <a:schemeClr val="lt1"/>
+                </a:solidFill>
+                <a:latin typeface="+mn-lt"/>
+                <a:ea typeface="+mn-ea"/>
+                <a:cs typeface="+mn-cs"/>
+              </a:defRPr>
+            </a:lvl6pPr>
+            <a:lvl7pPr marL="2743200" indent="0">
+              <a:defRPr sz="1100">
+                <a:solidFill>
+                  <a:schemeClr val="lt1"/>
+                </a:solidFill>
+                <a:latin typeface="+mn-lt"/>
+                <a:ea typeface="+mn-ea"/>
+                <a:cs typeface="+mn-cs"/>
+              </a:defRPr>
+            </a:lvl7pPr>
+            <a:lvl8pPr marL="3200400" indent="0">
+              <a:defRPr sz="1100">
+                <a:solidFill>
+                  <a:schemeClr val="lt1"/>
+                </a:solidFill>
+                <a:latin typeface="+mn-lt"/>
+                <a:ea typeface="+mn-ea"/>
+                <a:cs typeface="+mn-cs"/>
+              </a:defRPr>
+            </a:lvl8pPr>
+            <a:lvl9pPr marL="3657600" indent="0">
+              <a:defRPr sz="1100">
+                <a:solidFill>
+                  <a:schemeClr val="lt1"/>
+                </a:solidFill>
+                <a:latin typeface="+mn-lt"/>
+                <a:ea typeface="+mn-ea"/>
+                <a:cs typeface="+mn-cs"/>
+              </a:defRPr>
+            </a:lvl9pPr>
+          </a:lstStyle>
+          <a:p>
+            <a:pPr algn="l"/>
+            <a:endParaRPr kumimoji="1" lang="ja-JP" altLang="en-US" sz="1100"/>
+          </a:p>
+        </p:txBody>
+      </p:sp>
+      <p:pic>
+        <p:nvPicPr>
+          <p:cNvPr id="16" name="図 15"/>
+          <p:cNvPicPr>
+            <a:picLocks noChangeAspect="1" noChangeArrowheads="1"/>
+          </p:cNvPicPr>
+          <p:nvPr/>
+        </p:nvPicPr>
+        <p:blipFill rotWithShape="1">
+          <a:blip r:embed="rId6">
+            <a:extLst>
+              <a:ext uri="{28A0092B-C50C-407E-A947-70E740481C1C}">
+                <a14:useLocalDpi xmlns:a14="http://schemas.microsoft.com/office/drawing/2010/main" val="0"/>
+              </a:ext>
+            </a:extLst>
+          </a:blip>
+          <a:srcRect l="35578" t="67699" r="37654" b="15174"/>
+          <a:stretch/>
+        </p:blipFill>
+        <p:spPr bwMode="auto">
+          <a:xfrm>
+            <a:off x="6983895" y="3061252"/>
+            <a:ext cx="3419061" cy="1285461"/>
+          </a:xfrm>
+          <a:prstGeom prst="rect">
+            <a:avLst/>
+          </a:prstGeom>
+          <a:ln>
+            <a:noFill/>
+          </a:ln>
+          <a:effectLst>
+            <a:outerShdw blurRad="292100" dist="139700" dir="2700000" algn="tl" rotWithShape="0">
+              <a:srgbClr val="333333">
+                <a:alpha val="65000"/>
+              </a:srgbClr>
+            </a:outerShdw>
+          </a:effectLst>
+          <a:extLst>
+            <a:ext uri="{909E8E84-426E-40DD-AFC4-6F175D3DCCD1}">
+              <a14:hiddenFill xmlns:a14="http://schemas.microsoft.com/office/drawing/2010/main">
+                <a:solidFill>
+                  <a:srgbClr val="FFFFFF"/>
+                </a:solidFill>
+              </a14:hiddenFill>
+            </a:ext>
+          </a:extLst>
+        </p:spPr>
+      </p:pic>
+      <p:pic>
+        <p:nvPicPr>
+          <p:cNvPr id="17" name="図 16"/>
+          <p:cNvPicPr>
+            <a:picLocks noChangeAspect="1"/>
+          </p:cNvPicPr>
+          <p:nvPr/>
+        </p:nvPicPr>
+        <p:blipFill rotWithShape="1">
+          <a:blip r:embed="rId7"/>
+          <a:srcRect l="35162" t="38484" r="35577" b="45850"/>
+          <a:stretch/>
+        </p:blipFill>
+        <p:spPr>
+          <a:xfrm>
+            <a:off x="6983895" y="4931566"/>
+            <a:ext cx="3737114" cy="901148"/>
+          </a:xfrm>
+          <a:prstGeom prst="rect">
+            <a:avLst/>
+          </a:prstGeom>
+          <a:ln>
+            <a:noFill/>
+          </a:ln>
+          <a:effectLst>
+            <a:outerShdw blurRad="292100" dist="139700" dir="2700000" algn="tl" rotWithShape="0">
+              <a:srgbClr val="333333">
+                <a:alpha val="65000"/>
+              </a:srgbClr>
+            </a:outerShdw>
+          </a:effectLst>
+        </p:spPr>
+      </p:pic>
+      <p:sp>
+        <p:nvSpPr>
+          <p:cNvPr id="18" name="角丸四角形 17"/>
+          <p:cNvSpPr/>
+          <p:nvPr/>
+        </p:nvSpPr>
+        <p:spPr>
+          <a:xfrm>
+            <a:off x="7242311" y="3614323"/>
+            <a:ext cx="912041" cy="477079"/>
+          </a:xfrm>
+          <a:prstGeom prst="roundRect">
+            <a:avLst/>
+          </a:prstGeom>
+          <a:noFill/>
+          <a:ln w="28575">
+            <a:solidFill>
+              <a:srgbClr val="FF0000"/>
+            </a:solidFill>
+          </a:ln>
+        </p:spPr>
+        <p:style>
+          <a:lnRef idx="2">
+            <a:schemeClr val="accent1">
+              <a:shade val="50000"/>
+            </a:schemeClr>
+          </a:lnRef>
+          <a:fillRef idx="1">
+            <a:schemeClr val="accent1"/>
+          </a:fillRef>
+          <a:effectRef idx="0">
+            <a:schemeClr val="accent1"/>
+          </a:effectRef>
+          <a:fontRef idx="minor">
+            <a:schemeClr val="lt1"/>
+          </a:fontRef>
+        </p:style>
+        <p:txBody>
+          <a:bodyPr rtlCol="0" anchor="t"/>
+          <a:lstStyle>
+            <a:lvl1pPr marL="0" indent="0">
+              <a:defRPr sz="1100">
+                <a:solidFill>
+                  <a:schemeClr val="lt1"/>
+                </a:solidFill>
+                <a:latin typeface="+mn-lt"/>
+                <a:ea typeface="+mn-ea"/>
+                <a:cs typeface="+mn-cs"/>
+              </a:defRPr>
+            </a:lvl1pPr>
+            <a:lvl2pPr marL="457200" indent="0">
+              <a:defRPr sz="1100">
+                <a:solidFill>
+                  <a:schemeClr val="lt1"/>
+                </a:solidFill>
+                <a:latin typeface="+mn-lt"/>
+                <a:ea typeface="+mn-ea"/>
+                <a:cs typeface="+mn-cs"/>
+              </a:defRPr>
+            </a:lvl2pPr>
+            <a:lvl3pPr marL="914400" indent="0">
+              <a:defRPr sz="1100">
+                <a:solidFill>
+                  <a:schemeClr val="lt1"/>
+                </a:solidFill>
+                <a:latin typeface="+mn-lt"/>
+                <a:ea typeface="+mn-ea"/>
+                <a:cs typeface="+mn-cs"/>
+              </a:defRPr>
+            </a:lvl3pPr>
+            <a:lvl4pPr marL="1371600" indent="0">
+              <a:defRPr sz="1100">
+                <a:solidFill>
+                  <a:schemeClr val="lt1"/>
+                </a:solidFill>
+                <a:latin typeface="+mn-lt"/>
+                <a:ea typeface="+mn-ea"/>
+                <a:cs typeface="+mn-cs"/>
+              </a:defRPr>
+            </a:lvl4pPr>
+            <a:lvl5pPr marL="1828800" indent="0">
+              <a:defRPr sz="1100">
+                <a:solidFill>
+                  <a:schemeClr val="lt1"/>
+                </a:solidFill>
+                <a:latin typeface="+mn-lt"/>
+                <a:ea typeface="+mn-ea"/>
+                <a:cs typeface="+mn-cs"/>
+              </a:defRPr>
+            </a:lvl5pPr>
+            <a:lvl6pPr marL="2286000" indent="0">
+              <a:defRPr sz="1100">
+                <a:solidFill>
+                  <a:schemeClr val="lt1"/>
+                </a:solidFill>
+                <a:latin typeface="+mn-lt"/>
+                <a:ea typeface="+mn-ea"/>
+                <a:cs typeface="+mn-cs"/>
+              </a:defRPr>
+            </a:lvl6pPr>
+            <a:lvl7pPr marL="2743200" indent="0">
+              <a:defRPr sz="1100">
+                <a:solidFill>
+                  <a:schemeClr val="lt1"/>
+                </a:solidFill>
+                <a:latin typeface="+mn-lt"/>
+                <a:ea typeface="+mn-ea"/>
+                <a:cs typeface="+mn-cs"/>
+              </a:defRPr>
+            </a:lvl7pPr>
+            <a:lvl8pPr marL="3200400" indent="0">
+              <a:defRPr sz="1100">
+                <a:solidFill>
+                  <a:schemeClr val="lt1"/>
+                </a:solidFill>
+                <a:latin typeface="+mn-lt"/>
+                <a:ea typeface="+mn-ea"/>
+                <a:cs typeface="+mn-cs"/>
+              </a:defRPr>
+            </a:lvl8pPr>
+            <a:lvl9pPr marL="3657600" indent="0">
+              <a:defRPr sz="1100">
+                <a:solidFill>
+                  <a:schemeClr val="lt1"/>
+                </a:solidFill>
+                <a:latin typeface="+mn-lt"/>
+                <a:ea typeface="+mn-ea"/>
+                <a:cs typeface="+mn-cs"/>
+              </a:defRPr>
+            </a:lvl9pPr>
+          </a:lstStyle>
+          <a:p>
+            <a:pPr algn="l"/>
+            <a:endParaRPr kumimoji="1" lang="ja-JP" altLang="en-US" sz="1100"/>
+          </a:p>
+        </p:txBody>
+      </p:sp>
+      <p:sp>
+        <p:nvSpPr>
+          <p:cNvPr id="3" name="下矢印 2"/>
+          <p:cNvSpPr/>
+          <p:nvPr/>
+        </p:nvSpPr>
+        <p:spPr>
+          <a:xfrm>
+            <a:off x="1934817" y="2822713"/>
+            <a:ext cx="384313" cy="238539"/>
+          </a:xfrm>
+          <a:prstGeom prst="downArrow">
+            <a:avLst/>
+          </a:prstGeom>
+        </p:spPr>
+        <p:style>
+          <a:lnRef idx="2">
+            <a:schemeClr val="accent1">
+              <a:shade val="50000"/>
+            </a:schemeClr>
+          </a:lnRef>
+          <a:fillRef idx="1">
+            <a:schemeClr val="accent1"/>
+          </a:fillRef>
+          <a:effectRef idx="0">
+            <a:schemeClr val="accent1"/>
+          </a:effectRef>
+          <a:fontRef idx="minor">
+            <a:schemeClr val="lt1"/>
+          </a:fontRef>
+        </p:style>
+        <p:txBody>
+          <a:bodyPr rtlCol="0" anchor="ctr"/>
+          <a:lstStyle/>
+          <a:p>
+            <a:pPr algn="ctr"/>
+            <a:endParaRPr kumimoji="1" lang="ja-JP" altLang="en-US"/>
+          </a:p>
+        </p:txBody>
+      </p:sp>
+      <p:sp>
+        <p:nvSpPr>
+          <p:cNvPr id="19" name="下矢印 18"/>
+          <p:cNvSpPr/>
+          <p:nvPr/>
+        </p:nvSpPr>
+        <p:spPr>
+          <a:xfrm rot="10800000">
+            <a:off x="5698434" y="2710069"/>
+            <a:ext cx="384313" cy="238539"/>
+          </a:xfrm>
+          <a:prstGeom prst="downArrow">
+            <a:avLst/>
+          </a:prstGeom>
+        </p:spPr>
+        <p:style>
+          <a:lnRef idx="2">
+            <a:schemeClr val="accent1">
+              <a:shade val="50000"/>
+            </a:schemeClr>
+          </a:lnRef>
+          <a:fillRef idx="1">
+            <a:schemeClr val="accent1"/>
+          </a:fillRef>
+          <a:effectRef idx="0">
+            <a:schemeClr val="accent1"/>
+          </a:effectRef>
+          <a:fontRef idx="minor">
+            <a:schemeClr val="lt1"/>
+          </a:fontRef>
+        </p:style>
+        <p:txBody>
+          <a:bodyPr rtlCol="0" anchor="ctr"/>
+          <a:lstStyle/>
+          <a:p>
+            <a:pPr algn="ctr"/>
+            <a:endParaRPr kumimoji="1" lang="ja-JP" altLang="en-US"/>
+          </a:p>
+        </p:txBody>
+      </p:sp>
+      <p:sp>
+        <p:nvSpPr>
+          <p:cNvPr id="20" name="下矢印 19"/>
+          <p:cNvSpPr/>
+          <p:nvPr/>
+        </p:nvSpPr>
+        <p:spPr>
+          <a:xfrm rot="16200000">
+            <a:off x="3296105" y="4611756"/>
+            <a:ext cx="384313" cy="238539"/>
+          </a:xfrm>
+          <a:prstGeom prst="downArrow">
+            <a:avLst/>
+          </a:prstGeom>
+        </p:spPr>
+        <p:style>
+          <a:lnRef idx="2">
+            <a:schemeClr val="accent1">
+              <a:shade val="50000"/>
+            </a:schemeClr>
+          </a:lnRef>
+          <a:fillRef idx="1">
+            <a:schemeClr val="accent1"/>
+          </a:fillRef>
+          <a:effectRef idx="0">
+            <a:schemeClr val="accent1"/>
+          </a:effectRef>
+          <a:fontRef idx="minor">
+            <a:schemeClr val="lt1"/>
+          </a:fontRef>
+        </p:style>
+        <p:txBody>
+          <a:bodyPr rtlCol="0" anchor="ctr"/>
+          <a:lstStyle/>
+          <a:p>
+            <a:pPr algn="ctr"/>
+            <a:endParaRPr kumimoji="1" lang="ja-JP" altLang="en-US"/>
+          </a:p>
+        </p:txBody>
+      </p:sp>
+      <p:sp>
+        <p:nvSpPr>
+          <p:cNvPr id="21" name="下矢印 20"/>
+          <p:cNvSpPr/>
+          <p:nvPr/>
+        </p:nvSpPr>
+        <p:spPr>
+          <a:xfrm>
+            <a:off x="8200734" y="4519870"/>
+            <a:ext cx="384313" cy="238539"/>
+          </a:xfrm>
+          <a:prstGeom prst="downArrow">
+            <a:avLst/>
+          </a:prstGeom>
+        </p:spPr>
+        <p:style>
+          <a:lnRef idx="2">
+            <a:schemeClr val="accent1">
+              <a:shade val="50000"/>
+            </a:schemeClr>
+          </a:lnRef>
+          <a:fillRef idx="1">
+            <a:schemeClr val="accent1"/>
+          </a:fillRef>
+          <a:effectRef idx="0">
+            <a:schemeClr val="accent1"/>
+          </a:effectRef>
+          <a:fontRef idx="minor">
+            <a:schemeClr val="lt1"/>
+          </a:fontRef>
+        </p:style>
+        <p:txBody>
+          <a:bodyPr rtlCol="0" anchor="ctr"/>
+          <a:lstStyle/>
+          <a:p>
+            <a:pPr algn="ctr"/>
+            <a:endParaRPr kumimoji="1" lang="ja-JP" altLang="en-US"/>
+          </a:p>
+        </p:txBody>
+      </p:sp>
+      <p:sp>
+        <p:nvSpPr>
+          <p:cNvPr id="22" name="下矢印 21"/>
+          <p:cNvSpPr/>
+          <p:nvPr/>
+        </p:nvSpPr>
+        <p:spPr>
+          <a:xfrm>
+            <a:off x="8187482" y="2557669"/>
+            <a:ext cx="384313" cy="238539"/>
+          </a:xfrm>
+          <a:prstGeom prst="downArrow">
+            <a:avLst/>
+          </a:prstGeom>
+        </p:spPr>
+        <p:style>
+          <a:lnRef idx="2">
+            <a:schemeClr val="accent1">
+              <a:shade val="50000"/>
+            </a:schemeClr>
+          </a:lnRef>
+          <a:fillRef idx="1">
+            <a:schemeClr val="accent1"/>
+          </a:fillRef>
+          <a:effectRef idx="0">
+            <a:schemeClr val="accent1"/>
+          </a:effectRef>
+          <a:fontRef idx="minor">
+            <a:schemeClr val="lt1"/>
+          </a:fontRef>
+        </p:style>
+        <p:txBody>
+          <a:bodyPr rtlCol="0" anchor="ctr"/>
+          <a:lstStyle/>
+          <a:p>
+            <a:pPr algn="ctr"/>
+            <a:endParaRPr kumimoji="1" lang="ja-JP" altLang="en-US"/>
+          </a:p>
+        </p:txBody>
+      </p:sp>
+      <p:sp>
+        <p:nvSpPr>
+          <p:cNvPr id="23" name="四角形吹き出し 22"/>
+          <p:cNvSpPr/>
+          <p:nvPr/>
+        </p:nvSpPr>
+        <p:spPr>
+          <a:xfrm>
+            <a:off x="7580053" y="1096712"/>
+            <a:ext cx="1625674" cy="669047"/>
+          </a:xfrm>
+          <a:prstGeom prst="wedgeRectCallout">
+            <a:avLst>
+              <a:gd name="adj1" fmla="val -88970"/>
+              <a:gd name="adj2" fmla="val 81320"/>
+            </a:avLst>
+          </a:prstGeom>
+        </p:spPr>
+        <p:style>
+          <a:lnRef idx="2">
+            <a:schemeClr val="accent1">
+              <a:shade val="50000"/>
+            </a:schemeClr>
+          </a:lnRef>
+          <a:fillRef idx="1">
+            <a:schemeClr val="accent1"/>
+          </a:fillRef>
+          <a:effectRef idx="0">
+            <a:schemeClr val="accent1"/>
+          </a:effectRef>
+          <a:fontRef idx="minor">
+            <a:schemeClr val="lt1"/>
+          </a:fontRef>
+        </p:style>
+        <p:txBody>
+          <a:bodyPr rtlCol="0" anchor="ctr"/>
+          <a:lstStyle/>
+          <a:p>
+            <a:pPr algn="ctr"/>
+            <a:r>
+              <a:rPr kumimoji="1" lang="ja-JP" altLang="en-US" sz="1600" dirty="0" smtClean="0"/>
+              <a:t>対象の</a:t>
+            </a:r>
+            <a:r>
+              <a:rPr kumimoji="1" lang="en-US" altLang="ja-JP" sz="1600" dirty="0" smtClean="0"/>
+              <a:t>GitHub</a:t>
+            </a:r>
+          </a:p>
+          <a:p>
+            <a:pPr algn="ctr"/>
+            <a:r>
+              <a:rPr kumimoji="1" lang="ja-JP" altLang="en-US" sz="1600" dirty="0" smtClean="0"/>
+              <a:t>リポジトリ</a:t>
+            </a:r>
+            <a:endParaRPr kumimoji="1" lang="ja-JP" altLang="en-US" sz="1600" dirty="0"/>
+          </a:p>
+        </p:txBody>
+      </p:sp>
     </p:spTree>
     <p:extLst>
       <p:ext uri="{BB962C8B-B14F-4D97-AF65-F5344CB8AC3E}">
-        <p14:creationId xmlns:p14="http://schemas.microsoft.com/office/powerpoint/2010/main" val="479661013"/>
+        <p14:creationId xmlns:p14="http://schemas.microsoft.com/office/powerpoint/2010/main" val="1180988652"/>
       </p:ext>
     </p:extLst>
   </p:cSld>
@@ -5072,7 +5628,7 @@
         <p:spPr>
           <a:xfrm>
             <a:off x="838200" y="365126"/>
-            <a:ext cx="10515600" cy="801066"/>
+            <a:ext cx="10515600" cy="793096"/>
           </a:xfrm>
         </p:spPr>
         <p:txBody>
@@ -5082,20 +5638,8 @@
           <a:lstStyle/>
           <a:p>
             <a:r>
-              <a:rPr kumimoji="1" lang="en-US" altLang="ja-JP" sz="2800" b="1" dirty="0" smtClean="0"/>
-              <a:t>Travis</a:t>
-            </a:r>
-            <a:r>
               <a:rPr kumimoji="1" lang="ja-JP" altLang="en-US" sz="2800" b="1" dirty="0" smtClean="0"/>
-              <a:t>の登録と</a:t>
-            </a:r>
-            <a:r>
-              <a:rPr kumimoji="1" lang="en-US" altLang="ja-JP" sz="2800" b="1" dirty="0" err="1" smtClean="0"/>
-              <a:t>Git</a:t>
-            </a:r>
-            <a:r>
-              <a:rPr kumimoji="1" lang="ja-JP" altLang="en-US" sz="2800" b="1" dirty="0" smtClean="0"/>
-              <a:t>紐づけ</a:t>
+              <a:t>フォルダ構成・設定ファイル</a:t>
             </a:r>
             <a:endParaRPr kumimoji="1" lang="ja-JP" altLang="en-US" sz="2800" b="1" dirty="0"/>
           </a:p>
@@ -5103,27 +5647,775 @@
       </p:sp>
       <p:sp>
         <p:nvSpPr>
-          <p:cNvPr id="3" name="コンテンツ プレースホルダー 2"/>
-          <p:cNvSpPr>
-            <a:spLocks noGrp="1"/>
-          </p:cNvSpPr>
-          <p:nvPr>
-            <p:ph idx="1"/>
-          </p:nvPr>
-        </p:nvSpPr>
-        <p:spPr/>
-        <p:txBody>
-          <a:bodyPr/>
-          <a:lstStyle/>
-          <a:p>
-            <a:endParaRPr kumimoji="1" lang="ja-JP" altLang="en-US"/>
+          <p:cNvPr id="4" name="テキスト ボックス 3"/>
+          <p:cNvSpPr txBox="1"/>
+          <p:nvPr/>
+        </p:nvSpPr>
+        <p:spPr>
+          <a:xfrm>
+            <a:off x="2920449" y="2087923"/>
+            <a:ext cx="2345634" cy="2031325"/>
+          </a:xfrm>
+          <a:prstGeom prst="rect">
+            <a:avLst/>
+          </a:prstGeom>
+        </p:spPr>
+        <p:style>
+          <a:lnRef idx="0">
+            <a:schemeClr val="accent1"/>
+          </a:lnRef>
+          <a:fillRef idx="3">
+            <a:schemeClr val="accent1"/>
+          </a:fillRef>
+          <a:effectRef idx="3">
+            <a:schemeClr val="accent1"/>
+          </a:effectRef>
+          <a:fontRef idx="minor">
+            <a:schemeClr val="lt1"/>
+          </a:fontRef>
+        </p:style>
+        <p:txBody>
+          <a:bodyPr wrap="square" rtlCol="0">
+            <a:spAutoFit/>
+          </a:bodyPr>
+          <a:lstStyle/>
+          <a:p>
+            <a:r>
+              <a:rPr kumimoji="1" lang="en-US" altLang="ja-JP" b="1" dirty="0" err="1" smtClean="0"/>
+              <a:t>Src</a:t>
+            </a:r>
+            <a:endParaRPr kumimoji="1" lang="en-US" altLang="ja-JP" b="1" dirty="0" smtClean="0"/>
+          </a:p>
+          <a:p>
+            <a:endParaRPr kumimoji="1" lang="en-US" altLang="ja-JP" dirty="0" smtClean="0"/>
+          </a:p>
+          <a:p>
+            <a:endParaRPr lang="en-US" altLang="ja-JP" dirty="0"/>
+          </a:p>
+          <a:p>
+            <a:endParaRPr kumimoji="1" lang="en-US" altLang="ja-JP" dirty="0" smtClean="0"/>
+          </a:p>
+          <a:p>
+            <a:endParaRPr lang="en-US" altLang="ja-JP" dirty="0"/>
+          </a:p>
+          <a:p>
+            <a:endParaRPr kumimoji="1" lang="en-US" altLang="ja-JP" dirty="0" smtClean="0"/>
+          </a:p>
+          <a:p>
+            <a:endParaRPr kumimoji="1" lang="ja-JP" altLang="en-US" dirty="0"/>
+          </a:p>
+        </p:txBody>
+      </p:sp>
+      <p:sp>
+        <p:nvSpPr>
+          <p:cNvPr id="5" name="テキスト ボックス 4"/>
+          <p:cNvSpPr txBox="1"/>
+          <p:nvPr/>
+        </p:nvSpPr>
+        <p:spPr>
+          <a:xfrm>
+            <a:off x="3337893" y="2453896"/>
+            <a:ext cx="1606826" cy="646331"/>
+          </a:xfrm>
+          <a:prstGeom prst="rect">
+            <a:avLst/>
+          </a:prstGeom>
+        </p:spPr>
+        <p:style>
+          <a:lnRef idx="1">
+            <a:schemeClr val="accent1"/>
+          </a:lnRef>
+          <a:fillRef idx="2">
+            <a:schemeClr val="accent1"/>
+          </a:fillRef>
+          <a:effectRef idx="1">
+            <a:schemeClr val="accent1"/>
+          </a:effectRef>
+          <a:fontRef idx="minor">
+            <a:schemeClr val="dk1"/>
+          </a:fontRef>
+        </p:style>
+        <p:txBody>
+          <a:bodyPr wrap="square" rtlCol="0">
+            <a:spAutoFit/>
+          </a:bodyPr>
+          <a:lstStyle/>
+          <a:p>
+            <a:r>
+              <a:rPr kumimoji="1" lang="en-US" altLang="ja-JP" b="1" dirty="0" smtClean="0">
+                <a:solidFill>
+                  <a:schemeClr val="bg1"/>
+                </a:solidFill>
+              </a:rPr>
+              <a:t>Main</a:t>
+            </a:r>
+          </a:p>
+          <a:p>
+            <a:r>
+              <a:rPr lang="en-US" altLang="ja-JP" dirty="0" smtClean="0"/>
+              <a:t>Java</a:t>
+            </a:r>
+            <a:r>
+              <a:rPr lang="ja-JP" altLang="en-US" dirty="0"/>
+              <a:t>コード</a:t>
+            </a:r>
+            <a:endParaRPr kumimoji="1" lang="ja-JP" altLang="en-US" dirty="0"/>
+          </a:p>
+        </p:txBody>
+      </p:sp>
+      <p:sp>
+        <p:nvSpPr>
+          <p:cNvPr id="6" name="テキスト ボックス 5"/>
+          <p:cNvSpPr txBox="1"/>
+          <p:nvPr/>
+        </p:nvSpPr>
+        <p:spPr>
+          <a:xfrm>
+            <a:off x="3337893" y="3241841"/>
+            <a:ext cx="1755912" cy="646331"/>
+          </a:xfrm>
+          <a:prstGeom prst="rect">
+            <a:avLst/>
+          </a:prstGeom>
+        </p:spPr>
+        <p:style>
+          <a:lnRef idx="1">
+            <a:schemeClr val="accent1"/>
+          </a:lnRef>
+          <a:fillRef idx="2">
+            <a:schemeClr val="accent1"/>
+          </a:fillRef>
+          <a:effectRef idx="1">
+            <a:schemeClr val="accent1"/>
+          </a:effectRef>
+          <a:fontRef idx="minor">
+            <a:schemeClr val="dk1"/>
+          </a:fontRef>
+        </p:style>
+        <p:txBody>
+          <a:bodyPr wrap="square" rtlCol="0">
+            <a:spAutoFit/>
+          </a:bodyPr>
+          <a:lstStyle/>
+          <a:p>
+            <a:r>
+              <a:rPr kumimoji="1" lang="en-US" altLang="ja-JP" b="1" dirty="0" smtClean="0">
+                <a:solidFill>
+                  <a:schemeClr val="bg1"/>
+                </a:solidFill>
+              </a:rPr>
+              <a:t>Test</a:t>
+            </a:r>
+          </a:p>
+          <a:p>
+            <a:r>
+              <a:rPr lang="ja-JP" altLang="en-US" dirty="0" smtClean="0"/>
+              <a:t>テストコード</a:t>
+            </a:r>
+            <a:endParaRPr kumimoji="1" lang="ja-JP" altLang="en-US" dirty="0"/>
+          </a:p>
+        </p:txBody>
+      </p:sp>
+      <p:sp>
+        <p:nvSpPr>
+          <p:cNvPr id="7" name="テキスト ボックス 6"/>
+          <p:cNvSpPr txBox="1"/>
+          <p:nvPr/>
+        </p:nvSpPr>
+        <p:spPr>
+          <a:xfrm>
+            <a:off x="5989983" y="2286376"/>
+            <a:ext cx="2933701" cy="1754326"/>
+          </a:xfrm>
+          <a:prstGeom prst="rect">
+            <a:avLst/>
+          </a:prstGeom>
+        </p:spPr>
+        <p:style>
+          <a:lnRef idx="0">
+            <a:schemeClr val="accent1"/>
+          </a:lnRef>
+          <a:fillRef idx="3">
+            <a:schemeClr val="accent1"/>
+          </a:fillRef>
+          <a:effectRef idx="3">
+            <a:schemeClr val="accent1"/>
+          </a:effectRef>
+          <a:fontRef idx="minor">
+            <a:schemeClr val="lt1"/>
+          </a:fontRef>
+        </p:style>
+        <p:txBody>
+          <a:bodyPr wrap="square" rtlCol="0">
+            <a:spAutoFit/>
+          </a:bodyPr>
+          <a:lstStyle/>
+          <a:p>
+            <a:r>
+              <a:rPr kumimoji="1" lang="en-US" altLang="ja-JP" b="1" dirty="0" smtClean="0"/>
+              <a:t>Pom.xml</a:t>
+            </a:r>
+          </a:p>
+          <a:p>
+            <a:endParaRPr kumimoji="1" lang="en-US" altLang="ja-JP" dirty="0" smtClean="0"/>
+          </a:p>
+          <a:p>
+            <a:r>
+              <a:rPr lang="en-US" altLang="ja-JP" dirty="0" smtClean="0">
+                <a:solidFill>
+                  <a:schemeClr val="tx1"/>
+                </a:solidFill>
+              </a:rPr>
+              <a:t>Junit</a:t>
+            </a:r>
+            <a:r>
+              <a:rPr lang="ja-JP" altLang="en-US" dirty="0" smtClean="0">
+                <a:solidFill>
+                  <a:schemeClr val="tx1"/>
+                </a:solidFill>
+              </a:rPr>
+              <a:t>でテストするための設定を記述</a:t>
+            </a:r>
+            <a:endParaRPr lang="en-US" altLang="ja-JP" dirty="0" smtClean="0">
+              <a:solidFill>
+                <a:schemeClr val="tx1"/>
+              </a:solidFill>
+            </a:endParaRPr>
+          </a:p>
+          <a:p>
+            <a:r>
+              <a:rPr lang="ja-JP" altLang="en-US" dirty="0">
+                <a:solidFill>
+                  <a:schemeClr val="tx1"/>
+                </a:solidFill>
+              </a:rPr>
+              <a:t>今回</a:t>
+            </a:r>
+            <a:r>
+              <a:rPr lang="ja-JP" altLang="en-US" dirty="0" smtClean="0">
+                <a:solidFill>
+                  <a:schemeClr val="tx1"/>
+                </a:solidFill>
+              </a:rPr>
+              <a:t>は</a:t>
+            </a:r>
+            <a:r>
+              <a:rPr lang="en-US" altLang="ja-JP" dirty="0" smtClean="0">
+                <a:solidFill>
+                  <a:schemeClr val="tx1"/>
+                </a:solidFill>
+              </a:rPr>
+              <a:t>maven</a:t>
+            </a:r>
+            <a:r>
+              <a:rPr lang="ja-JP" altLang="en-US" dirty="0" smtClean="0">
+                <a:solidFill>
+                  <a:schemeClr val="tx1"/>
+                </a:solidFill>
+              </a:rPr>
+              <a:t>だが、他（</a:t>
+            </a:r>
+            <a:r>
+              <a:rPr lang="en-US" altLang="ja-JP" dirty="0" smtClean="0">
+                <a:solidFill>
+                  <a:schemeClr val="tx1"/>
+                </a:solidFill>
+              </a:rPr>
+              <a:t>ant</a:t>
+            </a:r>
+            <a:r>
+              <a:rPr lang="ja-JP" altLang="en-US" dirty="0" smtClean="0">
+                <a:solidFill>
+                  <a:schemeClr val="tx1"/>
+                </a:solidFill>
+              </a:rPr>
+              <a:t>とか）でも可</a:t>
+            </a:r>
+            <a:endParaRPr lang="en-US" altLang="ja-JP" dirty="0">
+              <a:solidFill>
+                <a:schemeClr val="tx1"/>
+              </a:solidFill>
+            </a:endParaRPr>
+          </a:p>
+        </p:txBody>
+      </p:sp>
+      <p:sp>
+        <p:nvSpPr>
+          <p:cNvPr id="8" name="テキスト ボックス 7"/>
+          <p:cNvSpPr txBox="1"/>
+          <p:nvPr/>
+        </p:nvSpPr>
+        <p:spPr>
+          <a:xfrm>
+            <a:off x="5989983" y="4409611"/>
+            <a:ext cx="2671969" cy="2308324"/>
+          </a:xfrm>
+          <a:prstGeom prst="rect">
+            <a:avLst/>
+          </a:prstGeom>
+        </p:spPr>
+        <p:style>
+          <a:lnRef idx="0">
+            <a:schemeClr val="accent1"/>
+          </a:lnRef>
+          <a:fillRef idx="3">
+            <a:schemeClr val="accent1"/>
+          </a:fillRef>
+          <a:effectRef idx="3">
+            <a:schemeClr val="accent1"/>
+          </a:effectRef>
+          <a:fontRef idx="minor">
+            <a:schemeClr val="lt1"/>
+          </a:fontRef>
+        </p:style>
+        <p:txBody>
+          <a:bodyPr wrap="square" rtlCol="0">
+            <a:spAutoFit/>
+          </a:bodyPr>
+          <a:lstStyle/>
+          <a:p>
+            <a:r>
+              <a:rPr lang="en-US" altLang="ja-JP" b="1" dirty="0" smtClean="0">
+                <a:solidFill>
+                  <a:schemeClr val="bg1"/>
+                </a:solidFill>
+              </a:rPr>
+              <a:t>.</a:t>
+            </a:r>
+            <a:r>
+              <a:rPr lang="en-US" altLang="ja-JP" b="1" dirty="0" err="1" smtClean="0">
+                <a:solidFill>
+                  <a:schemeClr val="bg1"/>
+                </a:solidFill>
+              </a:rPr>
+              <a:t>travis.yml</a:t>
+            </a:r>
+            <a:endParaRPr lang="en-US" altLang="ja-JP" b="1" dirty="0" smtClean="0">
+              <a:solidFill>
+                <a:schemeClr val="bg1"/>
+              </a:solidFill>
+            </a:endParaRPr>
+          </a:p>
+          <a:p>
+            <a:r>
+              <a:rPr lang="ja-JP" altLang="en-US" dirty="0" smtClean="0">
+                <a:solidFill>
+                  <a:schemeClr val="tx1"/>
+                </a:solidFill>
+              </a:rPr>
+              <a:t>言語設定</a:t>
+            </a:r>
+            <a:endParaRPr lang="en-US" altLang="ja-JP" dirty="0" smtClean="0">
+              <a:solidFill>
+                <a:schemeClr val="tx1"/>
+              </a:solidFill>
+            </a:endParaRPr>
+          </a:p>
+          <a:p>
+            <a:endParaRPr lang="en-US" altLang="ja-JP" dirty="0">
+              <a:solidFill>
+                <a:schemeClr val="tx1"/>
+              </a:solidFill>
+            </a:endParaRPr>
+          </a:p>
+          <a:p>
+            <a:r>
+              <a:rPr lang="ja-JP" altLang="en-US" dirty="0" smtClean="0">
+                <a:solidFill>
+                  <a:schemeClr val="tx1"/>
+                </a:solidFill>
+              </a:rPr>
+              <a:t>他にもいろいろできる</a:t>
+            </a:r>
+            <a:endParaRPr lang="en-US" altLang="ja-JP" dirty="0" smtClean="0">
+              <a:solidFill>
+                <a:schemeClr val="tx1"/>
+              </a:solidFill>
+            </a:endParaRPr>
+          </a:p>
+          <a:p>
+            <a:r>
+              <a:rPr lang="ja-JP" altLang="en-US" dirty="0" smtClean="0">
+                <a:solidFill>
+                  <a:schemeClr val="tx1"/>
+                </a:solidFill>
+              </a:rPr>
+              <a:t>・</a:t>
+            </a:r>
+            <a:r>
+              <a:rPr lang="en-US" altLang="ja-JP" dirty="0" smtClean="0">
+                <a:solidFill>
+                  <a:schemeClr val="tx1"/>
+                </a:solidFill>
+              </a:rPr>
+              <a:t>build</a:t>
+            </a:r>
+            <a:r>
+              <a:rPr lang="ja-JP" altLang="en-US" dirty="0" smtClean="0">
+                <a:solidFill>
+                  <a:schemeClr val="tx1"/>
+                </a:solidFill>
+              </a:rPr>
+              <a:t>前の動作</a:t>
+            </a:r>
+            <a:endParaRPr lang="en-US" altLang="ja-JP" dirty="0" smtClean="0">
+              <a:solidFill>
+                <a:schemeClr val="tx1"/>
+              </a:solidFill>
+            </a:endParaRPr>
+          </a:p>
+          <a:p>
+            <a:r>
+              <a:rPr lang="ja-JP" altLang="en-US" dirty="0" smtClean="0">
+                <a:solidFill>
+                  <a:schemeClr val="tx1"/>
+                </a:solidFill>
+              </a:rPr>
+              <a:t>・</a:t>
+            </a:r>
+            <a:r>
+              <a:rPr lang="en-US" altLang="ja-JP" dirty="0" smtClean="0">
+                <a:solidFill>
+                  <a:schemeClr val="tx1"/>
+                </a:solidFill>
+              </a:rPr>
+              <a:t>build</a:t>
+            </a:r>
+            <a:r>
+              <a:rPr lang="ja-JP" altLang="en-US" dirty="0" smtClean="0">
+                <a:solidFill>
+                  <a:schemeClr val="tx1"/>
+                </a:solidFill>
+              </a:rPr>
+              <a:t>成功時の動作</a:t>
+            </a:r>
+            <a:endParaRPr lang="en-US" altLang="ja-JP" dirty="0" smtClean="0">
+              <a:solidFill>
+                <a:schemeClr val="tx1"/>
+              </a:solidFill>
+            </a:endParaRPr>
+          </a:p>
+          <a:p>
+            <a:r>
+              <a:rPr lang="ja-JP" altLang="en-US" dirty="0" smtClean="0">
+                <a:solidFill>
+                  <a:schemeClr val="tx1"/>
+                </a:solidFill>
+              </a:rPr>
+              <a:t>・メール</a:t>
+            </a:r>
+            <a:endParaRPr lang="en-US" altLang="ja-JP" dirty="0" smtClean="0">
+              <a:solidFill>
+                <a:schemeClr val="tx1"/>
+              </a:solidFill>
+            </a:endParaRPr>
+          </a:p>
+          <a:p>
+            <a:r>
+              <a:rPr lang="ja-JP" altLang="en-US" dirty="0" smtClean="0">
+                <a:solidFill>
+                  <a:schemeClr val="tx1"/>
+                </a:solidFill>
+              </a:rPr>
+              <a:t>・・・・</a:t>
+            </a:r>
+            <a:endParaRPr lang="en-US" altLang="ja-JP" dirty="0" smtClean="0">
+              <a:solidFill>
+                <a:schemeClr val="tx1"/>
+              </a:solidFill>
+            </a:endParaRPr>
+          </a:p>
+        </p:txBody>
+      </p:sp>
+      <p:pic>
+        <p:nvPicPr>
+          <p:cNvPr id="11" name="図 10"/>
+          <p:cNvPicPr>
+            <a:picLocks noChangeAspect="1"/>
+          </p:cNvPicPr>
+          <p:nvPr/>
+        </p:nvPicPr>
+        <p:blipFill>
+          <a:blip r:embed="rId2"/>
+          <a:stretch>
+            <a:fillRect/>
+          </a:stretch>
+        </p:blipFill>
+        <p:spPr>
+          <a:xfrm>
+            <a:off x="9497747" y="5168410"/>
+            <a:ext cx="1856053" cy="1027458"/>
+          </a:xfrm>
+          <a:prstGeom prst="rect">
+            <a:avLst/>
+          </a:prstGeom>
+          <a:ln>
+            <a:noFill/>
+          </a:ln>
+          <a:effectLst>
+            <a:outerShdw blurRad="292100" dist="139700" dir="2700000" algn="tl" rotWithShape="0">
+              <a:srgbClr val="333333">
+                <a:alpha val="65000"/>
+              </a:srgbClr>
+            </a:outerShdw>
+          </a:effectLst>
+        </p:spPr>
+      </p:pic>
+      <p:cxnSp>
+        <p:nvCxnSpPr>
+          <p:cNvPr id="14" name="直線矢印コネクタ 13"/>
+          <p:cNvCxnSpPr>
+            <a:stCxn id="8" idx="3"/>
+            <a:endCxn id="11" idx="1"/>
+          </p:cNvCxnSpPr>
+          <p:nvPr/>
+        </p:nvCxnSpPr>
+        <p:spPr>
+          <a:xfrm>
+            <a:off x="8661952" y="5563773"/>
+            <a:ext cx="835795" cy="118366"/>
+          </a:xfrm>
+          <a:prstGeom prst="straightConnector1">
+            <a:avLst/>
+          </a:prstGeom>
+          <a:ln>
+            <a:tailEnd type="triangle"/>
+          </a:ln>
+        </p:spPr>
+        <p:style>
+          <a:lnRef idx="1">
+            <a:schemeClr val="dk1"/>
+          </a:lnRef>
+          <a:fillRef idx="0">
+            <a:schemeClr val="dk1"/>
+          </a:fillRef>
+          <a:effectRef idx="0">
+            <a:schemeClr val="dk1"/>
+          </a:effectRef>
+          <a:fontRef idx="minor">
+            <a:schemeClr val="tx1"/>
+          </a:fontRef>
+        </p:style>
+      </p:cxnSp>
+      <p:sp>
+        <p:nvSpPr>
+          <p:cNvPr id="16" name="テキスト ボックス 15"/>
+          <p:cNvSpPr txBox="1"/>
+          <p:nvPr/>
+        </p:nvSpPr>
+        <p:spPr>
+          <a:xfrm>
+            <a:off x="9497747" y="4702792"/>
+            <a:ext cx="2239617" cy="369332"/>
+          </a:xfrm>
+          <a:prstGeom prst="rect">
+            <a:avLst/>
+          </a:prstGeom>
+          <a:noFill/>
+        </p:spPr>
+        <p:txBody>
+          <a:bodyPr wrap="square" rtlCol="0">
+            <a:spAutoFit/>
+          </a:bodyPr>
+          <a:lstStyle/>
+          <a:p>
+            <a:r>
+              <a:rPr kumimoji="1" lang="ja-JP" altLang="en-US" dirty="0" smtClean="0"/>
+              <a:t>今回はこれだけ？</a:t>
+            </a:r>
+            <a:endParaRPr kumimoji="1" lang="ja-JP" altLang="en-US" dirty="0"/>
+          </a:p>
+        </p:txBody>
+      </p:sp>
+      <p:pic>
+        <p:nvPicPr>
+          <p:cNvPr id="19" name="図 18"/>
+          <p:cNvPicPr>
+            <a:picLocks noChangeAspect="1"/>
+          </p:cNvPicPr>
+          <p:nvPr/>
+        </p:nvPicPr>
+        <p:blipFill>
+          <a:blip r:embed="rId3"/>
+          <a:stretch>
+            <a:fillRect/>
+          </a:stretch>
+        </p:blipFill>
+        <p:spPr>
+          <a:xfrm>
+            <a:off x="680832" y="2053851"/>
+            <a:ext cx="1928190" cy="2592202"/>
+          </a:xfrm>
+          <a:prstGeom prst="rect">
+            <a:avLst/>
+          </a:prstGeom>
+          <a:ln>
+            <a:noFill/>
+          </a:ln>
+          <a:effectLst>
+            <a:outerShdw blurRad="292100" dist="139700" dir="2700000" algn="tl" rotWithShape="0">
+              <a:srgbClr val="333333">
+                <a:alpha val="65000"/>
+              </a:srgbClr>
+            </a:outerShdw>
+          </a:effectLst>
+        </p:spPr>
+      </p:pic>
+      <p:sp>
+        <p:nvSpPr>
+          <p:cNvPr id="20" name="テキスト ボックス 19"/>
+          <p:cNvSpPr txBox="1"/>
+          <p:nvPr/>
+        </p:nvSpPr>
+        <p:spPr>
+          <a:xfrm>
+            <a:off x="680832" y="1495893"/>
+            <a:ext cx="2239617" cy="369332"/>
+          </a:xfrm>
+          <a:prstGeom prst="rect">
+            <a:avLst/>
+          </a:prstGeom>
+        </p:spPr>
+        <p:style>
+          <a:lnRef idx="2">
+            <a:schemeClr val="accent1"/>
+          </a:lnRef>
+          <a:fillRef idx="1">
+            <a:schemeClr val="lt1"/>
+          </a:fillRef>
+          <a:effectRef idx="0">
+            <a:schemeClr val="accent1"/>
+          </a:effectRef>
+          <a:fontRef idx="minor">
+            <a:schemeClr val="dk1"/>
+          </a:fontRef>
+        </p:style>
+        <p:txBody>
+          <a:bodyPr wrap="square" rtlCol="0">
+            <a:spAutoFit/>
+          </a:bodyPr>
+          <a:lstStyle/>
+          <a:p>
+            <a:r>
+              <a:rPr kumimoji="1" lang="ja-JP" altLang="en-US" dirty="0" smtClean="0"/>
+              <a:t>フォルダ構成</a:t>
+            </a:r>
+            <a:endParaRPr kumimoji="1" lang="ja-JP" altLang="en-US" dirty="0"/>
+          </a:p>
+        </p:txBody>
+      </p:sp>
+      <p:sp>
+        <p:nvSpPr>
+          <p:cNvPr id="21" name="テキスト ボックス 20"/>
+          <p:cNvSpPr txBox="1"/>
+          <p:nvPr/>
+        </p:nvSpPr>
+        <p:spPr>
+          <a:xfrm>
+            <a:off x="5989983" y="1537645"/>
+            <a:ext cx="2239617" cy="369332"/>
+          </a:xfrm>
+          <a:prstGeom prst="rect">
+            <a:avLst/>
+          </a:prstGeom>
+        </p:spPr>
+        <p:style>
+          <a:lnRef idx="2">
+            <a:schemeClr val="accent1"/>
+          </a:lnRef>
+          <a:fillRef idx="1">
+            <a:schemeClr val="lt1"/>
+          </a:fillRef>
+          <a:effectRef idx="0">
+            <a:schemeClr val="accent1"/>
+          </a:effectRef>
+          <a:fontRef idx="minor">
+            <a:schemeClr val="dk1"/>
+          </a:fontRef>
+        </p:style>
+        <p:txBody>
+          <a:bodyPr wrap="square" rtlCol="0">
+            <a:spAutoFit/>
+          </a:bodyPr>
+          <a:lstStyle/>
+          <a:p>
+            <a:r>
+              <a:rPr kumimoji="1" lang="ja-JP" altLang="en-US" dirty="0" smtClean="0"/>
+              <a:t>設定ファイル</a:t>
+            </a:r>
+            <a:endParaRPr kumimoji="1" lang="ja-JP" altLang="en-US" dirty="0"/>
+          </a:p>
+        </p:txBody>
+      </p:sp>
+      <p:cxnSp>
+        <p:nvCxnSpPr>
+          <p:cNvPr id="22" name="直線矢印コネクタ 21"/>
+          <p:cNvCxnSpPr/>
+          <p:nvPr/>
+        </p:nvCxnSpPr>
+        <p:spPr>
+          <a:xfrm>
+            <a:off x="1842052" y="2286376"/>
+            <a:ext cx="1078397" cy="0"/>
+          </a:xfrm>
+          <a:prstGeom prst="straightConnector1">
+            <a:avLst/>
+          </a:prstGeom>
+          <a:ln>
+            <a:tailEnd type="triangle"/>
+          </a:ln>
+        </p:spPr>
+        <p:style>
+          <a:lnRef idx="1">
+            <a:schemeClr val="dk1"/>
+          </a:lnRef>
+          <a:fillRef idx="0">
+            <a:schemeClr val="dk1"/>
+          </a:fillRef>
+          <a:effectRef idx="0">
+            <a:schemeClr val="dk1"/>
+          </a:effectRef>
+          <a:fontRef idx="minor">
+            <a:schemeClr val="tx1"/>
+          </a:fontRef>
+        </p:style>
+      </p:cxnSp>
+      <p:sp>
+        <p:nvSpPr>
+          <p:cNvPr id="3" name="正方形/長方形 2"/>
+          <p:cNvSpPr/>
+          <p:nvPr/>
+        </p:nvSpPr>
+        <p:spPr>
+          <a:xfrm>
+            <a:off x="6007801" y="84174"/>
+            <a:ext cx="6186309" cy="369332"/>
+          </a:xfrm>
+          <a:prstGeom prst="rect">
+            <a:avLst/>
+          </a:prstGeom>
+        </p:spPr>
+        <p:txBody>
+          <a:bodyPr wrap="none">
+            <a:spAutoFit/>
+          </a:bodyPr>
+          <a:lstStyle/>
+          <a:p>
+            <a:r>
+              <a:rPr lang="ja-JP" altLang="en-US" dirty="0" smtClean="0"/>
+              <a:t>４．ブランチ</a:t>
+            </a:r>
+            <a:r>
+              <a:rPr lang="ja-JP" altLang="en-US" dirty="0"/>
+              <a:t>に設定ファイル・ソース・テストコード登録</a:t>
+            </a:r>
           </a:p>
         </p:txBody>
       </p:sp>
     </p:spTree>
     <p:extLst>
       <p:ext uri="{BB962C8B-B14F-4D97-AF65-F5344CB8AC3E}">
-        <p14:creationId xmlns:p14="http://schemas.microsoft.com/office/powerpoint/2010/main" val="1180988652"/>
+        <p14:creationId xmlns:p14="http://schemas.microsoft.com/office/powerpoint/2010/main" val="479661013"/>
       </p:ext>
     </p:extLst>
   </p:cSld>
@@ -5549,6 +6841,39 @@
               <a:t>詳細情報</a:t>
             </a:r>
             <a:endParaRPr kumimoji="1" lang="ja-JP" altLang="en-US" dirty="0"/>
+          </a:p>
+        </p:txBody>
+      </p:sp>
+      <p:sp>
+        <p:nvSpPr>
+          <p:cNvPr id="9" name="正方形/長方形 8"/>
+          <p:cNvSpPr/>
+          <p:nvPr/>
+        </p:nvSpPr>
+        <p:spPr>
+          <a:xfrm>
+            <a:off x="10100551" y="158682"/>
+            <a:ext cx="1691489" cy="369332"/>
+          </a:xfrm>
+          <a:prstGeom prst="rect">
+            <a:avLst/>
+          </a:prstGeom>
+        </p:spPr>
+        <p:txBody>
+          <a:bodyPr wrap="none">
+            <a:spAutoFit/>
+          </a:bodyPr>
+          <a:lstStyle/>
+          <a:p>
+            <a:r>
+              <a:rPr lang="ja-JP" altLang="en-US" dirty="0" smtClean="0"/>
+              <a:t>５．テスト</a:t>
+            </a:r>
+            <a:r>
+              <a:rPr lang="en-US" altLang="ja-JP" dirty="0" smtClean="0"/>
+              <a:t>run</a:t>
+            </a:r>
+            <a:endParaRPr lang="ja-JP" altLang="en-US" dirty="0"/>
           </a:p>
         </p:txBody>
       </p:sp>
@@ -6105,6 +7430,38 @@
           </a:p>
         </p:txBody>
       </p:sp>
+      <p:sp>
+        <p:nvSpPr>
+          <p:cNvPr id="18" name="正方形/長方形 17"/>
+          <p:cNvSpPr/>
+          <p:nvPr/>
+        </p:nvSpPr>
+        <p:spPr>
+          <a:xfrm>
+            <a:off x="9554818" y="194921"/>
+            <a:ext cx="2584173" cy="369332"/>
+          </a:xfrm>
+          <a:prstGeom prst="rect">
+            <a:avLst/>
+          </a:prstGeom>
+        </p:spPr>
+        <p:txBody>
+          <a:bodyPr wrap="square">
+            <a:spAutoFit/>
+          </a:bodyPr>
+          <a:lstStyle/>
+          <a:p>
+            <a:r>
+              <a:rPr lang="ja-JP" altLang="en-US" dirty="0" smtClean="0"/>
+              <a:t>６．</a:t>
+            </a:r>
+            <a:r>
+              <a:rPr lang="ja-JP" altLang="en-US" dirty="0"/>
+              <a:t>テスト結果表示</a:t>
+            </a:r>
+          </a:p>
+        </p:txBody>
+      </p:sp>
     </p:spTree>
     <p:extLst>
       <p:ext uri="{BB962C8B-B14F-4D97-AF65-F5344CB8AC3E}">
@@ -6514,6 +7871,226 @@
               <a:t>ここ</a:t>
             </a:r>
             <a:endParaRPr kumimoji="1" lang="ja-JP" altLang="en-US" dirty="0"/>
+          </a:p>
+        </p:txBody>
+      </p:sp>
+      <p:sp>
+        <p:nvSpPr>
+          <p:cNvPr id="11" name="正方形/長方形 10"/>
+          <p:cNvSpPr/>
+          <p:nvPr/>
+        </p:nvSpPr>
+        <p:spPr>
+          <a:xfrm>
+            <a:off x="9475305" y="188960"/>
+            <a:ext cx="2584173" cy="369332"/>
+          </a:xfrm>
+          <a:prstGeom prst="rect">
+            <a:avLst/>
+          </a:prstGeom>
+        </p:spPr>
+        <p:txBody>
+          <a:bodyPr wrap="square">
+            <a:spAutoFit/>
+          </a:bodyPr>
+          <a:lstStyle/>
+          <a:p>
+            <a:r>
+              <a:rPr lang="ja-JP" altLang="en-US" dirty="0" smtClean="0"/>
+              <a:t>６．</a:t>
+            </a:r>
+            <a:r>
+              <a:rPr lang="ja-JP" altLang="en-US" dirty="0"/>
+              <a:t>テスト結果表示</a:t>
+            </a:r>
+          </a:p>
+        </p:txBody>
+      </p:sp>
+      <p:sp>
+        <p:nvSpPr>
+          <p:cNvPr id="12" name="角丸四角形 11"/>
+          <p:cNvSpPr/>
+          <p:nvPr/>
+        </p:nvSpPr>
+        <p:spPr>
+          <a:xfrm>
+            <a:off x="6838120" y="2724799"/>
+            <a:ext cx="1166193" cy="389894"/>
+          </a:xfrm>
+          <a:prstGeom prst="roundRect">
+            <a:avLst/>
+          </a:prstGeom>
+          <a:noFill/>
+          <a:ln w="28575">
+            <a:solidFill>
+              <a:srgbClr val="FF0000"/>
+            </a:solidFill>
+          </a:ln>
+        </p:spPr>
+        <p:style>
+          <a:lnRef idx="2">
+            <a:schemeClr val="accent1">
+              <a:shade val="50000"/>
+            </a:schemeClr>
+          </a:lnRef>
+          <a:fillRef idx="1">
+            <a:schemeClr val="accent1"/>
+          </a:fillRef>
+          <a:effectRef idx="0">
+            <a:schemeClr val="accent1"/>
+          </a:effectRef>
+          <a:fontRef idx="minor">
+            <a:schemeClr val="lt1"/>
+          </a:fontRef>
+        </p:style>
+        <p:txBody>
+          <a:bodyPr rtlCol="0" anchor="t"/>
+          <a:lstStyle>
+            <a:lvl1pPr marL="0" indent="0">
+              <a:defRPr sz="1100">
+                <a:solidFill>
+                  <a:schemeClr val="lt1"/>
+                </a:solidFill>
+                <a:latin typeface="+mn-lt"/>
+                <a:ea typeface="+mn-ea"/>
+                <a:cs typeface="+mn-cs"/>
+              </a:defRPr>
+            </a:lvl1pPr>
+            <a:lvl2pPr marL="457200" indent="0">
+              <a:defRPr sz="1100">
+                <a:solidFill>
+                  <a:schemeClr val="lt1"/>
+                </a:solidFill>
+                <a:latin typeface="+mn-lt"/>
+                <a:ea typeface="+mn-ea"/>
+                <a:cs typeface="+mn-cs"/>
+              </a:defRPr>
+            </a:lvl2pPr>
+            <a:lvl3pPr marL="914400" indent="0">
+              <a:defRPr sz="1100">
+                <a:solidFill>
+                  <a:schemeClr val="lt1"/>
+                </a:solidFill>
+                <a:latin typeface="+mn-lt"/>
+                <a:ea typeface="+mn-ea"/>
+                <a:cs typeface="+mn-cs"/>
+              </a:defRPr>
+            </a:lvl3pPr>
+            <a:lvl4pPr marL="1371600" indent="0">
+              <a:defRPr sz="1100">
+                <a:solidFill>
+                  <a:schemeClr val="lt1"/>
+                </a:solidFill>
+                <a:latin typeface="+mn-lt"/>
+                <a:ea typeface="+mn-ea"/>
+                <a:cs typeface="+mn-cs"/>
+              </a:defRPr>
+            </a:lvl4pPr>
+            <a:lvl5pPr marL="1828800" indent="0">
+              <a:defRPr sz="1100">
+                <a:solidFill>
+                  <a:schemeClr val="lt1"/>
+                </a:solidFill>
+                <a:latin typeface="+mn-lt"/>
+                <a:ea typeface="+mn-ea"/>
+                <a:cs typeface="+mn-cs"/>
+              </a:defRPr>
+            </a:lvl5pPr>
+            <a:lvl6pPr marL="2286000" indent="0">
+              <a:defRPr sz="1100">
+                <a:solidFill>
+                  <a:schemeClr val="lt1"/>
+                </a:solidFill>
+                <a:latin typeface="+mn-lt"/>
+                <a:ea typeface="+mn-ea"/>
+                <a:cs typeface="+mn-cs"/>
+              </a:defRPr>
+            </a:lvl6pPr>
+            <a:lvl7pPr marL="2743200" indent="0">
+              <a:defRPr sz="1100">
+                <a:solidFill>
+                  <a:schemeClr val="lt1"/>
+                </a:solidFill>
+                <a:latin typeface="+mn-lt"/>
+                <a:ea typeface="+mn-ea"/>
+                <a:cs typeface="+mn-cs"/>
+              </a:defRPr>
+            </a:lvl7pPr>
+            <a:lvl8pPr marL="3200400" indent="0">
+              <a:defRPr sz="1100">
+                <a:solidFill>
+                  <a:schemeClr val="lt1"/>
+                </a:solidFill>
+                <a:latin typeface="+mn-lt"/>
+                <a:ea typeface="+mn-ea"/>
+                <a:cs typeface="+mn-cs"/>
+              </a:defRPr>
+            </a:lvl8pPr>
+            <a:lvl9pPr marL="3657600" indent="0">
+              <a:defRPr sz="1100">
+                <a:solidFill>
+                  <a:schemeClr val="lt1"/>
+                </a:solidFill>
+                <a:latin typeface="+mn-lt"/>
+                <a:ea typeface="+mn-ea"/>
+                <a:cs typeface="+mn-cs"/>
+              </a:defRPr>
+            </a:lvl9pPr>
+          </a:lstStyle>
+          <a:p>
+            <a:pPr algn="l"/>
+            <a:endParaRPr kumimoji="1" lang="ja-JP" altLang="en-US" sz="1100"/>
+          </a:p>
+        </p:txBody>
+      </p:sp>
+      <p:sp>
+        <p:nvSpPr>
+          <p:cNvPr id="13" name="四角形吹き出し 12"/>
+          <p:cNvSpPr/>
+          <p:nvPr/>
+        </p:nvSpPr>
+        <p:spPr>
+          <a:xfrm>
+            <a:off x="8206408" y="2085991"/>
+            <a:ext cx="1567068" cy="638808"/>
+          </a:xfrm>
+          <a:prstGeom prst="wedgeRectCallout">
+            <a:avLst>
+              <a:gd name="adj1" fmla="val -67852"/>
+              <a:gd name="adj2" fmla="val 67045"/>
+            </a:avLst>
+          </a:prstGeom>
+        </p:spPr>
+        <p:style>
+          <a:lnRef idx="1">
+            <a:schemeClr val="accent1"/>
+          </a:lnRef>
+          <a:fillRef idx="2">
+            <a:schemeClr val="accent1"/>
+          </a:fillRef>
+          <a:effectRef idx="1">
+            <a:schemeClr val="accent1"/>
+          </a:effectRef>
+          <a:fontRef idx="minor">
+            <a:schemeClr val="dk1"/>
+          </a:fontRef>
+        </p:style>
+        <p:txBody>
+          <a:bodyPr rtlCol="0" anchor="ctr"/>
+          <a:lstStyle/>
+          <a:p>
+            <a:r>
+              <a:rPr kumimoji="1" lang="ja-JP" altLang="en-US" sz="1400" dirty="0" smtClean="0"/>
+              <a:t>ここから</a:t>
+            </a:r>
+            <a:endParaRPr kumimoji="1" lang="en-US" altLang="ja-JP" sz="1400" dirty="0" smtClean="0"/>
+          </a:p>
+          <a:p>
+            <a:r>
+              <a:rPr kumimoji="1" lang="ja-JP" altLang="en-US" sz="1400" dirty="0" smtClean="0"/>
+              <a:t>プルリクエスト</a:t>
+            </a:r>
+            <a:endParaRPr kumimoji="1" lang="ja-JP" altLang="en-US" sz="1400" dirty="0"/>
           </a:p>
         </p:txBody>
       </p:sp>
